--- a/Elizabeth's_work/Project 1 Presentation.pptx
+++ b/Elizabeth's_work/Project 1 Presentation.pptx
@@ -5,25 +5,24 @@
     <p:sldMasterId id="2147483684" r:id="rId1"/>
   </p:sldMasterIdLst>
   <p:notesMasterIdLst>
-    <p:notesMasterId r:id="rId18"/>
+    <p:notesMasterId r:id="rId17"/>
   </p:notesMasterIdLst>
   <p:sldIdLst>
     <p:sldId id="256" r:id="rId2"/>
     <p:sldId id="257" r:id="rId3"/>
     <p:sldId id="267" r:id="rId4"/>
     <p:sldId id="258" r:id="rId5"/>
-    <p:sldId id="259" r:id="rId6"/>
-    <p:sldId id="268" r:id="rId7"/>
-    <p:sldId id="271" r:id="rId8"/>
-    <p:sldId id="272" r:id="rId9"/>
-    <p:sldId id="270" r:id="rId10"/>
-    <p:sldId id="265" r:id="rId11"/>
-    <p:sldId id="269" r:id="rId12"/>
-    <p:sldId id="266" r:id="rId13"/>
-    <p:sldId id="260" r:id="rId14"/>
-    <p:sldId id="261" r:id="rId15"/>
-    <p:sldId id="262" r:id="rId16"/>
-    <p:sldId id="263" r:id="rId17"/>
+    <p:sldId id="268" r:id="rId6"/>
+    <p:sldId id="271" r:id="rId7"/>
+    <p:sldId id="272" r:id="rId8"/>
+    <p:sldId id="270" r:id="rId9"/>
+    <p:sldId id="265" r:id="rId10"/>
+    <p:sldId id="269" r:id="rId11"/>
+    <p:sldId id="266" r:id="rId12"/>
+    <p:sldId id="260" r:id="rId13"/>
+    <p:sldId id="261" r:id="rId14"/>
+    <p:sldId id="262" r:id="rId15"/>
+    <p:sldId id="263" r:id="rId16"/>
   </p:sldIdLst>
   <p:sldSz cx="12192000" cy="6858000"/>
   <p:notesSz cx="6858000" cy="9144000"/>
@@ -1197,7 +1196,7 @@
           <a:p>
             <a:fld id="{42920916-3BF0-4BFA-A926-7A7034BA2134}" type="slidenum">
               <a:rPr lang="en-US" smtClean="0"/>
-              <a:t>6</a:t>
+              <a:t>5</a:t>
             </a:fld>
             <a:endParaRPr lang="en-US"/>
           </a:p>
@@ -1340,7 +1339,7 @@
           <a:p>
             <a:fld id="{42920916-3BF0-4BFA-A926-7A7034BA2134}" type="slidenum">
               <a:rPr lang="en-US" smtClean="0"/>
-              <a:t>9</a:t>
+              <a:t>8</a:t>
             </a:fld>
             <a:endParaRPr lang="en-US"/>
           </a:p>
@@ -1479,7 +1478,7 @@
           <a:p>
             <a:fld id="{42920916-3BF0-4BFA-A926-7A7034BA2134}" type="slidenum">
               <a:rPr lang="en-US" smtClean="0"/>
-              <a:t>10</a:t>
+              <a:t>9</a:t>
             </a:fld>
             <a:endParaRPr lang="en-US"/>
           </a:p>
@@ -1600,7 +1599,7 @@
           <a:p>
             <a:fld id="{42920916-3BF0-4BFA-A926-7A7034BA2134}" type="slidenum">
               <a:rPr lang="en-US" smtClean="0"/>
-              <a:t>11</a:t>
+              <a:t>10</a:t>
             </a:fld>
             <a:endParaRPr lang="en-US"/>
           </a:p>
@@ -1742,7 +1741,7 @@
           <a:p>
             <a:fld id="{42920916-3BF0-4BFA-A926-7A7034BA2134}" type="slidenum">
               <a:rPr lang="en-US" smtClean="0"/>
-              <a:t>15</a:t>
+              <a:t>14</a:t>
             </a:fld>
             <a:endParaRPr lang="en-US"/>
           </a:p>
@@ -5266,511 +5265,6 @@
           <p:cNvPr id="2" name="Title 1">
             <a:extLst>
               <a:ext uri="{FF2B5EF4-FFF2-40B4-BE49-F238E27FC236}">
-                <a16:creationId xmlns:a16="http://schemas.microsoft.com/office/drawing/2014/main" id="{3F6381AE-801E-D99C-44CC-3278F3A44F9D}"/>
-              </a:ext>
-            </a:extLst>
-          </p:cNvPr>
-          <p:cNvSpPr>
-            <a:spLocks noGrp="1"/>
-          </p:cNvSpPr>
-          <p:nvPr>
-            <p:ph type="title"/>
-          </p:nvPr>
-        </p:nvSpPr>
-        <p:spPr/>
-        <p:txBody>
-          <a:bodyPr>
-            <a:normAutofit fontScale="90000"/>
-          </a:bodyPr>
-          <a:lstStyle/>
-          <a:p>
-            <a:pPr algn="ctr"/>
-            <a:r>
-              <a:rPr lang="en-US" sz="3100" dirty="0">
-                <a:solidFill>
-                  <a:schemeClr val="bg1"/>
-                </a:solidFill>
-              </a:rPr>
-              <a:t>Does the frequency of listening to different genres correlate with different mental health disorders?</a:t>
-            </a:r>
-            <a:br>
-              <a:rPr lang="en-US" dirty="0">
-                <a:solidFill>
-                  <a:schemeClr val="bg1"/>
-                </a:solidFill>
-              </a:rPr>
-            </a:br>
-            <a:endParaRPr lang="en-US" dirty="0"/>
-          </a:p>
-        </p:txBody>
-      </p:sp>
-      <p:pic>
-        <p:nvPicPr>
-          <p:cNvPr id="8" name="Content Placeholder 7" descr="A screenshot of a graph&#10;&#10;Description automatically generated">
-            <a:extLst>
-              <a:ext uri="{FF2B5EF4-FFF2-40B4-BE49-F238E27FC236}">
-                <a16:creationId xmlns:a16="http://schemas.microsoft.com/office/drawing/2014/main" id="{1C3DC9D0-9000-3603-98C6-3042C63B4A18}"/>
-              </a:ext>
-            </a:extLst>
-          </p:cNvPr>
-          <p:cNvPicPr>
-            <a:picLocks noGrp="1" noChangeAspect="1"/>
-          </p:cNvPicPr>
-          <p:nvPr>
-            <p:ph sz="half" idx="2"/>
-          </p:nvPr>
-        </p:nvPicPr>
-        <p:blipFill rotWithShape="1">
-          <a:blip r:embed="rId3">
-            <a:extLst>
-              <a:ext uri="{28A0092B-C50C-407E-A947-70E740481C1C}">
-                <a14:useLocalDpi xmlns:a14="http://schemas.microsoft.com/office/drawing/2010/main" val="0"/>
-              </a:ext>
-            </a:extLst>
-          </a:blip>
-          <a:srcRect r="8154" b="9428"/>
-          <a:stretch/>
-        </p:blipFill>
-        <p:spPr>
-          <a:xfrm>
-            <a:off x="133571" y="2507551"/>
-            <a:ext cx="5837155" cy="3131768"/>
-          </a:xfrm>
-        </p:spPr>
-      </p:pic>
-      <p:pic>
-        <p:nvPicPr>
-          <p:cNvPr id="12" name="Content Placeholder 11" descr="A screenshot of a computer&#10;&#10;Description automatically generated">
-            <a:extLst>
-              <a:ext uri="{FF2B5EF4-FFF2-40B4-BE49-F238E27FC236}">
-                <a16:creationId xmlns:a16="http://schemas.microsoft.com/office/drawing/2014/main" id="{68E6AD1F-4128-02E7-3AB1-C507253DBFC0}"/>
-              </a:ext>
-            </a:extLst>
-          </p:cNvPr>
-          <p:cNvPicPr>
-            <a:picLocks noGrp="1" noChangeAspect="1"/>
-          </p:cNvPicPr>
-          <p:nvPr>
-            <p:ph sz="quarter" idx="4"/>
-          </p:nvPr>
-        </p:nvPicPr>
-        <p:blipFill rotWithShape="1">
-          <a:blip r:embed="rId4">
-            <a:extLst>
-              <a:ext uri="{28A0092B-C50C-407E-A947-70E740481C1C}">
-                <a14:useLocalDpi xmlns:a14="http://schemas.microsoft.com/office/drawing/2010/main" val="0"/>
-              </a:ext>
-            </a:extLst>
-          </a:blip>
-          <a:srcRect r="9356" b="9318"/>
-          <a:stretch/>
-        </p:blipFill>
-        <p:spPr>
-          <a:xfrm>
-            <a:off x="6126163" y="2467508"/>
-            <a:ext cx="5827358" cy="3171811"/>
-          </a:xfrm>
-        </p:spPr>
-      </p:pic>
-      <p:sp>
-        <p:nvSpPr>
-          <p:cNvPr id="10" name="Text Placeholder 9">
-            <a:extLst>
-              <a:ext uri="{FF2B5EF4-FFF2-40B4-BE49-F238E27FC236}">
-                <a16:creationId xmlns:a16="http://schemas.microsoft.com/office/drawing/2014/main" id="{90EDFFEC-C77B-8FA0-AA6D-D6C80FFFF8E8}"/>
-              </a:ext>
-            </a:extLst>
-          </p:cNvPr>
-          <p:cNvSpPr>
-            <a:spLocks noGrp="1"/>
-          </p:cNvSpPr>
-          <p:nvPr>
-            <p:ph type="body" idx="1"/>
-          </p:nvPr>
-        </p:nvSpPr>
-        <p:spPr>
-          <a:xfrm>
-            <a:off x="697500" y="1438204"/>
-            <a:ext cx="4480560" cy="731520"/>
-          </a:xfrm>
-        </p:spPr>
-        <p:txBody>
-          <a:bodyPr>
-            <a:normAutofit/>
-          </a:bodyPr>
-          <a:lstStyle/>
-          <a:p>
-            <a:r>
-              <a:rPr lang="en-US" sz="2400" dirty="0">
-                <a:solidFill>
-                  <a:schemeClr val="bg1"/>
-                </a:solidFill>
-              </a:rPr>
-              <a:t>Actual frequency of listening</a:t>
-            </a:r>
-          </a:p>
-        </p:txBody>
-      </p:sp>
-      <p:sp>
-        <p:nvSpPr>
-          <p:cNvPr id="14" name="Text Placeholder 13">
-            <a:extLst>
-              <a:ext uri="{FF2B5EF4-FFF2-40B4-BE49-F238E27FC236}">
-                <a16:creationId xmlns:a16="http://schemas.microsoft.com/office/drawing/2014/main" id="{BF3BDF0A-00BC-8B79-FF5F-A0A8818C97E4}"/>
-              </a:ext>
-            </a:extLst>
-          </p:cNvPr>
-          <p:cNvSpPr>
-            <a:spLocks noGrp="1"/>
-          </p:cNvSpPr>
-          <p:nvPr>
-            <p:ph type="body" sz="quarter" idx="3"/>
-          </p:nvPr>
-        </p:nvSpPr>
-        <p:spPr>
-          <a:xfrm>
-            <a:off x="6449568" y="1367916"/>
-            <a:ext cx="4480560" cy="731520"/>
-          </a:xfrm>
-        </p:spPr>
-        <p:txBody>
-          <a:bodyPr>
-            <a:normAutofit/>
-          </a:bodyPr>
-          <a:lstStyle/>
-          <a:p>
-            <a:pPr algn="ctr"/>
-            <a:r>
-              <a:rPr lang="en-US" sz="2400" dirty="0">
-                <a:solidFill>
-                  <a:schemeClr val="bg1"/>
-                </a:solidFill>
-              </a:rPr>
-              <a:t>Favorite genres</a:t>
-            </a:r>
-          </a:p>
-        </p:txBody>
-      </p:sp>
-      <p:sp>
-        <p:nvSpPr>
-          <p:cNvPr id="15" name="Text Placeholder 2">
-            <a:extLst>
-              <a:ext uri="{FF2B5EF4-FFF2-40B4-BE49-F238E27FC236}">
-                <a16:creationId xmlns:a16="http://schemas.microsoft.com/office/drawing/2014/main" id="{EE13F059-1E2F-8B20-AEFE-C38550D6AD72}"/>
-              </a:ext>
-            </a:extLst>
-          </p:cNvPr>
-          <p:cNvSpPr txBox="1">
-            <a:spLocks/>
-          </p:cNvSpPr>
-          <p:nvPr/>
-        </p:nvSpPr>
-        <p:spPr>
-          <a:xfrm>
-            <a:off x="334518" y="6234575"/>
-            <a:ext cx="11522964" cy="731520"/>
-          </a:xfrm>
-          <a:prstGeom prst="rect">
-            <a:avLst/>
-          </a:prstGeom>
-        </p:spPr>
-        <p:txBody>
-          <a:bodyPr vert="horz" lIns="91440" tIns="45720" rIns="91440" bIns="45720" rtlCol="0" anchor="b">
-            <a:normAutofit/>
-          </a:bodyPr>
-          <a:lstStyle>
-            <a:lvl1pPr marL="0" indent="0" algn="l" defTabSz="914400" rtl="0" eaLnBrk="1" latinLnBrk="0" hangingPunct="1">
-              <a:lnSpc>
-                <a:spcPct val="95000"/>
-              </a:lnSpc>
-              <a:spcBef>
-                <a:spcPts val="0"/>
-              </a:spcBef>
-              <a:spcAft>
-                <a:spcPts val="200"/>
-              </a:spcAft>
-              <a:buClr>
-                <a:schemeClr val="accent1"/>
-              </a:buClr>
-              <a:buSzPct val="80000"/>
-              <a:buFont typeface="Arial" pitchFamily="34" charset="0"/>
-              <a:buNone/>
-              <a:defRPr sz="2000" b="0" kern="1200" spc="10" baseline="0">
-                <a:solidFill>
-                  <a:schemeClr val="tx2"/>
-                </a:solidFill>
-                <a:latin typeface="+mn-lt"/>
-                <a:ea typeface="+mn-ea"/>
-                <a:cs typeface="+mn-cs"/>
-              </a:defRPr>
-            </a:lvl1pPr>
-            <a:lvl2pPr marL="457200" indent="0" algn="l" defTabSz="914400" rtl="0" eaLnBrk="1" latinLnBrk="0" hangingPunct="1">
-              <a:lnSpc>
-                <a:spcPct val="90000"/>
-              </a:lnSpc>
-              <a:spcBef>
-                <a:spcPts val="300"/>
-              </a:spcBef>
-              <a:spcAft>
-                <a:spcPts val="300"/>
-              </a:spcAft>
-              <a:buClr>
-                <a:schemeClr val="accent1"/>
-              </a:buClr>
-              <a:buFont typeface="Wingdings 2" pitchFamily="18" charset="2"/>
-              <a:buNone/>
-              <a:defRPr sz="2000" b="1" kern="1200">
-                <a:solidFill>
-                  <a:schemeClr val="tx1">
-                    <a:lumMod val="85000"/>
-                    <a:lumOff val="15000"/>
-                  </a:schemeClr>
-                </a:solidFill>
-                <a:latin typeface="+mn-lt"/>
-                <a:ea typeface="+mn-ea"/>
-                <a:cs typeface="+mn-cs"/>
-              </a:defRPr>
-            </a:lvl2pPr>
-            <a:lvl3pPr marL="914400" indent="0" algn="l" defTabSz="914400" rtl="0" eaLnBrk="1" latinLnBrk="0" hangingPunct="1">
-              <a:lnSpc>
-                <a:spcPct val="90000"/>
-              </a:lnSpc>
-              <a:spcBef>
-                <a:spcPts val="300"/>
-              </a:spcBef>
-              <a:spcAft>
-                <a:spcPts val="300"/>
-              </a:spcAft>
-              <a:buClr>
-                <a:schemeClr val="accent1"/>
-              </a:buClr>
-              <a:buFont typeface="Wingdings 2" pitchFamily="18" charset="2"/>
-              <a:buNone/>
-              <a:defRPr sz="1800" b="1" kern="1200">
-                <a:solidFill>
-                  <a:schemeClr val="tx1">
-                    <a:lumMod val="85000"/>
-                    <a:lumOff val="15000"/>
-                  </a:schemeClr>
-                </a:solidFill>
-                <a:latin typeface="+mn-lt"/>
-                <a:ea typeface="+mn-ea"/>
-                <a:cs typeface="+mn-cs"/>
-              </a:defRPr>
-            </a:lvl3pPr>
-            <a:lvl4pPr marL="1371600" indent="0" algn="l" defTabSz="914400" rtl="0" eaLnBrk="1" latinLnBrk="0" hangingPunct="1">
-              <a:lnSpc>
-                <a:spcPct val="90000"/>
-              </a:lnSpc>
-              <a:spcBef>
-                <a:spcPts val="300"/>
-              </a:spcBef>
-              <a:spcAft>
-                <a:spcPts val="300"/>
-              </a:spcAft>
-              <a:buClr>
-                <a:schemeClr val="accent1"/>
-              </a:buClr>
-              <a:buFont typeface="Wingdings 2" pitchFamily="18" charset="2"/>
-              <a:buNone/>
-              <a:defRPr sz="1600" b="1" kern="1200">
-                <a:solidFill>
-                  <a:schemeClr val="tx1">
-                    <a:lumMod val="85000"/>
-                    <a:lumOff val="15000"/>
-                  </a:schemeClr>
-                </a:solidFill>
-                <a:latin typeface="+mn-lt"/>
-                <a:ea typeface="+mn-ea"/>
-                <a:cs typeface="+mn-cs"/>
-              </a:defRPr>
-            </a:lvl4pPr>
-            <a:lvl5pPr marL="1828800" indent="0" algn="l" defTabSz="914400" rtl="0" eaLnBrk="1" latinLnBrk="0" hangingPunct="1">
-              <a:lnSpc>
-                <a:spcPct val="90000"/>
-              </a:lnSpc>
-              <a:spcBef>
-                <a:spcPts val="300"/>
-              </a:spcBef>
-              <a:spcAft>
-                <a:spcPts val="300"/>
-              </a:spcAft>
-              <a:buClr>
-                <a:schemeClr val="accent1"/>
-              </a:buClr>
-              <a:buFont typeface="Wingdings 2" pitchFamily="18" charset="2"/>
-              <a:buNone/>
-              <a:defRPr sz="1600" b="1" kern="1200">
-                <a:solidFill>
-                  <a:schemeClr val="tx1">
-                    <a:lumMod val="85000"/>
-                    <a:lumOff val="15000"/>
-                  </a:schemeClr>
-                </a:solidFill>
-                <a:latin typeface="+mn-lt"/>
-                <a:ea typeface="+mn-ea"/>
-                <a:cs typeface="+mn-cs"/>
-              </a:defRPr>
-            </a:lvl5pPr>
-            <a:lvl6pPr marL="2286000" indent="0" algn="l" defTabSz="914400" rtl="0" eaLnBrk="1" latinLnBrk="0" hangingPunct="1">
-              <a:lnSpc>
-                <a:spcPct val="90000"/>
-              </a:lnSpc>
-              <a:spcBef>
-                <a:spcPts val="300"/>
-              </a:spcBef>
-              <a:spcAft>
-                <a:spcPts val="300"/>
-              </a:spcAft>
-              <a:buClr>
-                <a:schemeClr val="accent1"/>
-              </a:buClr>
-              <a:buFont typeface="Wingdings 2" pitchFamily="18" charset="2"/>
-              <a:buNone/>
-              <a:defRPr sz="1600" b="1" kern="1200">
-                <a:solidFill>
-                  <a:schemeClr val="tx1">
-                    <a:lumMod val="85000"/>
-                    <a:lumOff val="15000"/>
-                  </a:schemeClr>
-                </a:solidFill>
-                <a:latin typeface="+mn-lt"/>
-                <a:ea typeface="+mn-ea"/>
-                <a:cs typeface="+mn-cs"/>
-              </a:defRPr>
-            </a:lvl6pPr>
-            <a:lvl7pPr marL="2743200" indent="0" algn="l" defTabSz="914400" rtl="0" eaLnBrk="1" latinLnBrk="0" hangingPunct="1">
-              <a:lnSpc>
-                <a:spcPct val="90000"/>
-              </a:lnSpc>
-              <a:spcBef>
-                <a:spcPts val="300"/>
-              </a:spcBef>
-              <a:spcAft>
-                <a:spcPts val="300"/>
-              </a:spcAft>
-              <a:buClr>
-                <a:schemeClr val="accent1"/>
-              </a:buClr>
-              <a:buFont typeface="Wingdings 2" pitchFamily="18" charset="2"/>
-              <a:buNone/>
-              <a:defRPr sz="1600" b="1" kern="1200">
-                <a:solidFill>
-                  <a:schemeClr val="tx1">
-                    <a:lumMod val="85000"/>
-                    <a:lumOff val="15000"/>
-                  </a:schemeClr>
-                </a:solidFill>
-                <a:latin typeface="+mn-lt"/>
-                <a:ea typeface="+mn-ea"/>
-                <a:cs typeface="+mn-cs"/>
-              </a:defRPr>
-            </a:lvl7pPr>
-            <a:lvl8pPr marL="3200400" indent="0" algn="l" defTabSz="914400" rtl="0" eaLnBrk="1" latinLnBrk="0" hangingPunct="1">
-              <a:lnSpc>
-                <a:spcPct val="90000"/>
-              </a:lnSpc>
-              <a:spcBef>
-                <a:spcPts val="300"/>
-              </a:spcBef>
-              <a:spcAft>
-                <a:spcPts val="300"/>
-              </a:spcAft>
-              <a:buClr>
-                <a:schemeClr val="accent1"/>
-              </a:buClr>
-              <a:buFont typeface="Wingdings 2" pitchFamily="18" charset="2"/>
-              <a:buNone/>
-              <a:defRPr sz="1600" b="1" kern="1200">
-                <a:solidFill>
-                  <a:schemeClr val="tx1">
-                    <a:lumMod val="85000"/>
-                    <a:lumOff val="15000"/>
-                  </a:schemeClr>
-                </a:solidFill>
-                <a:latin typeface="+mn-lt"/>
-                <a:ea typeface="+mn-ea"/>
-                <a:cs typeface="+mn-cs"/>
-              </a:defRPr>
-            </a:lvl8pPr>
-            <a:lvl9pPr marL="3657600" indent="0" algn="l" defTabSz="914400" rtl="0" eaLnBrk="1" latinLnBrk="0" hangingPunct="1">
-              <a:lnSpc>
-                <a:spcPct val="90000"/>
-              </a:lnSpc>
-              <a:spcBef>
-                <a:spcPts val="300"/>
-              </a:spcBef>
-              <a:spcAft>
-                <a:spcPts val="300"/>
-              </a:spcAft>
-              <a:buClr>
-                <a:schemeClr val="accent1"/>
-              </a:buClr>
-              <a:buFont typeface="Wingdings 2" pitchFamily="18" charset="2"/>
-              <a:buNone/>
-              <a:defRPr sz="1600" b="1" kern="1200">
-                <a:solidFill>
-                  <a:schemeClr val="tx1">
-                    <a:lumMod val="85000"/>
-                    <a:lumOff val="15000"/>
-                  </a:schemeClr>
-                </a:solidFill>
-                <a:latin typeface="+mn-lt"/>
-                <a:ea typeface="+mn-ea"/>
-                <a:cs typeface="+mn-cs"/>
-              </a:defRPr>
-            </a:lvl9pPr>
-          </a:lstStyle>
-          <a:p>
-            <a:r>
-              <a:rPr lang="en-US" sz="1800">
-                <a:solidFill>
-                  <a:schemeClr val="bg1"/>
-                </a:solidFill>
-              </a:rPr>
-              <a:t>Highest mental illness in listeners of Rock and Pop by frequency, but favorites are Rock, Pop, and Metal</a:t>
-            </a:r>
-          </a:p>
-          <a:p>
-            <a:endParaRPr lang="en-US" dirty="0"/>
-          </a:p>
-        </p:txBody>
-      </p:sp>
-    </p:spTree>
-    <p:extLst>
-      <p:ext uri="{BB962C8B-B14F-4D97-AF65-F5344CB8AC3E}">
-        <p14:creationId xmlns:p14="http://schemas.microsoft.com/office/powerpoint/2010/main" val="2929728545"/>
-      </p:ext>
-    </p:extLst>
-  </p:cSld>
-  <p:clrMapOvr>
-    <a:masterClrMapping/>
-  </p:clrMapOvr>
-</p:sld>
-</file>
-
-<file path=ppt/slides/slide11.xml><?xml version="1.0" encoding="utf-8"?>
-<p:sld xmlns:a="http://schemas.openxmlformats.org/drawingml/2006/main" xmlns:r="http://schemas.openxmlformats.org/officeDocument/2006/relationships" xmlns:p="http://schemas.openxmlformats.org/presentationml/2006/main">
-  <p:cSld>
-    <p:spTree>
-      <p:nvGrpSpPr>
-        <p:cNvPr id="1" name=""/>
-        <p:cNvGrpSpPr/>
-        <p:nvPr/>
-      </p:nvGrpSpPr>
-      <p:grpSpPr>
-        <a:xfrm>
-          <a:off x="0" y="0"/>
-          <a:ext cx="0" cy="0"/>
-          <a:chOff x="0" y="0"/>
-          <a:chExt cx="0" cy="0"/>
-        </a:xfrm>
-      </p:grpSpPr>
-      <p:sp>
-        <p:nvSpPr>
-          <p:cNvPr id="2" name="Title 1">
-            <a:extLst>
-              <a:ext uri="{FF2B5EF4-FFF2-40B4-BE49-F238E27FC236}">
                 <a16:creationId xmlns:a16="http://schemas.microsoft.com/office/drawing/2014/main" id="{DC1715D9-CBB9-F406-7DA1-7F6AFD77C768}"/>
               </a:ext>
             </a:extLst>
@@ -5920,6 +5414,177 @@
 </p:sld>
 </file>
 
+<file path=ppt/slides/slide11.xml><?xml version="1.0" encoding="utf-8"?>
+<p:sld xmlns:a="http://schemas.openxmlformats.org/drawingml/2006/main" xmlns:r="http://schemas.openxmlformats.org/officeDocument/2006/relationships" xmlns:p="http://schemas.openxmlformats.org/presentationml/2006/main">
+  <p:cSld>
+    <p:spTree>
+      <p:nvGrpSpPr>
+        <p:cNvPr id="1" name=""/>
+        <p:cNvGrpSpPr/>
+        <p:nvPr/>
+      </p:nvGrpSpPr>
+      <p:grpSpPr>
+        <a:xfrm>
+          <a:off x="0" y="0"/>
+          <a:ext cx="0" cy="0"/>
+          <a:chOff x="0" y="0"/>
+          <a:chExt cx="0" cy="0"/>
+        </a:xfrm>
+      </p:grpSpPr>
+      <p:sp>
+        <p:nvSpPr>
+          <p:cNvPr id="2" name="Title 1">
+            <a:extLst>
+              <a:ext uri="{FF2B5EF4-FFF2-40B4-BE49-F238E27FC236}">
+                <a16:creationId xmlns:a16="http://schemas.microsoft.com/office/drawing/2014/main" id="{C310B0FD-F16F-E2D3-5E3E-A41BEEBFF686}"/>
+              </a:ext>
+            </a:extLst>
+          </p:cNvPr>
+          <p:cNvSpPr>
+            <a:spLocks noGrp="1"/>
+          </p:cNvSpPr>
+          <p:nvPr>
+            <p:ph type="title"/>
+          </p:nvPr>
+        </p:nvSpPr>
+        <p:spPr/>
+        <p:txBody>
+          <a:bodyPr/>
+          <a:lstStyle/>
+          <a:p>
+            <a:endParaRPr lang="en-US"/>
+          </a:p>
+        </p:txBody>
+      </p:sp>
+      <p:sp>
+        <p:nvSpPr>
+          <p:cNvPr id="3" name="Content Placeholder 2">
+            <a:extLst>
+              <a:ext uri="{FF2B5EF4-FFF2-40B4-BE49-F238E27FC236}">
+                <a16:creationId xmlns:a16="http://schemas.microsoft.com/office/drawing/2014/main" id="{EE2ACB71-0271-AFD8-4F31-A072B7DABF0B}"/>
+              </a:ext>
+            </a:extLst>
+          </p:cNvPr>
+          <p:cNvSpPr>
+            <a:spLocks noGrp="1"/>
+          </p:cNvSpPr>
+          <p:nvPr>
+            <p:ph sz="half" idx="1"/>
+          </p:nvPr>
+        </p:nvSpPr>
+        <p:spPr/>
+        <p:txBody>
+          <a:bodyPr/>
+          <a:lstStyle/>
+          <a:p>
+            <a:pPr>
+              <a:buClr>
+                <a:schemeClr val="bg1"/>
+              </a:buClr>
+            </a:pPr>
+            <a:r>
+              <a:rPr lang="en-US" dirty="0">
+                <a:solidFill>
+                  <a:schemeClr val="bg1"/>
+                </a:solidFill>
+              </a:rPr>
+              <a:t>Music effects vs fav genre</a:t>
+            </a:r>
+          </a:p>
+          <a:p>
+            <a:pPr lvl="1">
+              <a:buClr>
+                <a:schemeClr val="bg1"/>
+              </a:buClr>
+              <a:buFont typeface="Arial" panose="020B0604020202020204" pitchFamily="34" charset="0"/>
+              <a:buChar char="•"/>
+            </a:pPr>
+            <a:r>
+              <a:rPr lang="en-US" dirty="0">
+                <a:solidFill>
+                  <a:schemeClr val="bg1"/>
+                </a:solidFill>
+              </a:rPr>
+              <a:t>Genres with best effects:</a:t>
+            </a:r>
+          </a:p>
+          <a:p>
+            <a:pPr lvl="1">
+              <a:buClr>
+                <a:schemeClr val="bg1"/>
+              </a:buClr>
+              <a:buFont typeface="Arial" panose="020B0604020202020204" pitchFamily="34" charset="0"/>
+              <a:buChar char="•"/>
+            </a:pPr>
+            <a:r>
+              <a:rPr lang="en-US" dirty="0">
+                <a:solidFill>
+                  <a:schemeClr val="bg1"/>
+                </a:solidFill>
+              </a:rPr>
+              <a:t>Listening time vs improvement</a:t>
+            </a:r>
+          </a:p>
+          <a:p>
+            <a:pPr lvl="2">
+              <a:buClr>
+                <a:schemeClr val="bg1"/>
+              </a:buClr>
+              <a:buFont typeface="Arial" panose="020B0604020202020204" pitchFamily="34" charset="0"/>
+              <a:buChar char="•"/>
+            </a:pPr>
+            <a:r>
+              <a:rPr lang="en-US" dirty="0">
+                <a:solidFill>
+                  <a:schemeClr val="bg1"/>
+                </a:solidFill>
+              </a:rPr>
+              <a:t>Best listening time for mental health: 4-5 hours/day</a:t>
+            </a:r>
+          </a:p>
+          <a:p>
+            <a:endParaRPr lang="en-US" dirty="0"/>
+          </a:p>
+        </p:txBody>
+      </p:sp>
+      <p:sp>
+        <p:nvSpPr>
+          <p:cNvPr id="4" name="Content Placeholder 3">
+            <a:extLst>
+              <a:ext uri="{FF2B5EF4-FFF2-40B4-BE49-F238E27FC236}">
+                <a16:creationId xmlns:a16="http://schemas.microsoft.com/office/drawing/2014/main" id="{A111CA42-75BB-8281-92E4-057C626FFD5B}"/>
+              </a:ext>
+            </a:extLst>
+          </p:cNvPr>
+          <p:cNvSpPr>
+            <a:spLocks noGrp="1"/>
+          </p:cNvSpPr>
+          <p:nvPr>
+            <p:ph sz="half" idx="2"/>
+          </p:nvPr>
+        </p:nvSpPr>
+        <p:spPr/>
+        <p:txBody>
+          <a:bodyPr/>
+          <a:lstStyle/>
+          <a:p>
+            <a:endParaRPr lang="en-US"/>
+          </a:p>
+        </p:txBody>
+      </p:sp>
+    </p:spTree>
+    <p:extLst>
+      <p:ext uri="{BB962C8B-B14F-4D97-AF65-F5344CB8AC3E}">
+        <p14:creationId xmlns:p14="http://schemas.microsoft.com/office/powerpoint/2010/main" val="3488931604"/>
+      </p:ext>
+    </p:extLst>
+  </p:cSld>
+  <p:clrMapOvr>
+    <a:masterClrMapping/>
+  </p:clrMapOvr>
+</p:sld>
+</file>
+
 <file path=ppt/slides/slide12.xml><?xml version="1.0" encoding="utf-8"?>
 <p:sld xmlns:a="http://schemas.openxmlformats.org/drawingml/2006/main" xmlns:r="http://schemas.openxmlformats.org/officeDocument/2006/relationships" xmlns:p="http://schemas.openxmlformats.org/presentationml/2006/main">
   <p:cSld>
@@ -5942,7 +5607,7 @@
           <p:cNvPr id="2" name="Title 1">
             <a:extLst>
               <a:ext uri="{FF2B5EF4-FFF2-40B4-BE49-F238E27FC236}">
-                <a16:creationId xmlns:a16="http://schemas.microsoft.com/office/drawing/2014/main" id="{C310B0FD-F16F-E2D3-5E3E-A41BEEBFF686}"/>
+                <a16:creationId xmlns:a16="http://schemas.microsoft.com/office/drawing/2014/main" id="{B2B04DB2-1333-ABCA-790E-810E9010BF43}"/>
               </a:ext>
             </a:extLst>
           </p:cNvPr>
@@ -5958,16 +5623,23 @@
           <a:bodyPr/>
           <a:lstStyle/>
           <a:p>
-            <a:endParaRPr lang="en-US"/>
-          </a:p>
-        </p:txBody>
-      </p:sp>
-      <p:sp>
-        <p:nvSpPr>
-          <p:cNvPr id="3" name="Content Placeholder 2">
+            <a:r>
+              <a:rPr lang="en-US" dirty="0">
+                <a:solidFill>
+                  <a:schemeClr val="bg1"/>
+                </a:solidFill>
+              </a:rPr>
+              <a:t>Regression</a:t>
+            </a:r>
+          </a:p>
+        </p:txBody>
+      </p:sp>
+      <p:sp>
+        <p:nvSpPr>
+          <p:cNvPr id="3" name="Text Placeholder 2">
             <a:extLst>
               <a:ext uri="{FF2B5EF4-FFF2-40B4-BE49-F238E27FC236}">
-                <a16:creationId xmlns:a16="http://schemas.microsoft.com/office/drawing/2014/main" id="{EE2ACB71-0271-AFD8-4F31-A072B7DABF0B}"/>
+                <a16:creationId xmlns:a16="http://schemas.microsoft.com/office/drawing/2014/main" id="{05F8B029-54B5-20CA-B650-36985A9CF208}"/>
               </a:ext>
             </a:extLst>
           </p:cNvPr>
@@ -5975,7 +5647,7 @@
             <a:spLocks noGrp="1"/>
           </p:cNvSpPr>
           <p:nvPr>
-            <p:ph sz="half" idx="1"/>
+            <p:ph type="body" idx="1"/>
           </p:nvPr>
         </p:nvSpPr>
         <p:spPr/>
@@ -5983,73 +5655,7 @@
           <a:bodyPr/>
           <a:lstStyle/>
           <a:p>
-            <a:pPr>
-              <a:buClr>
-                <a:schemeClr val="bg1"/>
-              </a:buClr>
-            </a:pPr>
-            <a:r>
-              <a:rPr lang="en-US" dirty="0">
-                <a:solidFill>
-                  <a:schemeClr val="bg1"/>
-                </a:solidFill>
-              </a:rPr>
-              <a:t>Music effects vs fav genre</a:t>
-            </a:r>
-          </a:p>
-          <a:p>
-            <a:pPr lvl="1">
-              <a:buClr>
-                <a:schemeClr val="bg1"/>
-              </a:buClr>
-              <a:buFont typeface="Arial" panose="020B0604020202020204" pitchFamily="34" charset="0"/>
-              <a:buChar char="•"/>
-            </a:pPr>
-            <a:r>
-              <a:rPr lang="en-US" dirty="0">
-                <a:solidFill>
-                  <a:schemeClr val="bg1"/>
-                </a:solidFill>
-              </a:rPr>
-              <a:t>Genres with best effects:</a:t>
-            </a:r>
-          </a:p>
-          <a:p>
-            <a:pPr lvl="1">
-              <a:buClr>
-                <a:schemeClr val="bg1"/>
-              </a:buClr>
-              <a:buFont typeface="Arial" panose="020B0604020202020204" pitchFamily="34" charset="0"/>
-              <a:buChar char="•"/>
-            </a:pPr>
-            <a:r>
-              <a:rPr lang="en-US" dirty="0">
-                <a:solidFill>
-                  <a:schemeClr val="bg1"/>
-                </a:solidFill>
-              </a:rPr>
-              <a:t>Listening time vs improvement</a:t>
-            </a:r>
-          </a:p>
-          <a:p>
-            <a:pPr lvl="2">
-              <a:buClr>
-                <a:schemeClr val="bg1"/>
-              </a:buClr>
-              <a:buFont typeface="Arial" panose="020B0604020202020204" pitchFamily="34" charset="0"/>
-              <a:buChar char="•"/>
-            </a:pPr>
-            <a:r>
-              <a:rPr lang="en-US" dirty="0">
-                <a:solidFill>
-                  <a:schemeClr val="bg1"/>
-                </a:solidFill>
-              </a:rPr>
-              <a:t>Best listening time for mental health: 4-5 hours/day</a:t>
-            </a:r>
-          </a:p>
-          <a:p>
-            <a:endParaRPr lang="en-US" dirty="0"/>
+            <a:endParaRPr lang="en-US"/>
           </a:p>
         </p:txBody>
       </p:sp>
@@ -6058,7 +5664,7 @@
           <p:cNvPr id="4" name="Content Placeholder 3">
             <a:extLst>
               <a:ext uri="{FF2B5EF4-FFF2-40B4-BE49-F238E27FC236}">
-                <a16:creationId xmlns:a16="http://schemas.microsoft.com/office/drawing/2014/main" id="{A111CA42-75BB-8281-92E4-057C626FFD5B}"/>
+                <a16:creationId xmlns:a16="http://schemas.microsoft.com/office/drawing/2014/main" id="{4E5DEF6F-BDE4-461A-FA95-6CA27EE7464C}"/>
               </a:ext>
             </a:extLst>
           </p:cNvPr>
@@ -6078,10 +5684,60 @@
           </a:p>
         </p:txBody>
       </p:sp>
+      <p:sp>
+        <p:nvSpPr>
+          <p:cNvPr id="5" name="Text Placeholder 4">
+            <a:extLst>
+              <a:ext uri="{FF2B5EF4-FFF2-40B4-BE49-F238E27FC236}">
+                <a16:creationId xmlns:a16="http://schemas.microsoft.com/office/drawing/2014/main" id="{392D86CE-5FEE-CA0E-3C55-3EBC8F5082F7}"/>
+              </a:ext>
+            </a:extLst>
+          </p:cNvPr>
+          <p:cNvSpPr>
+            <a:spLocks noGrp="1"/>
+          </p:cNvSpPr>
+          <p:nvPr>
+            <p:ph type="body" sz="quarter" idx="3"/>
+          </p:nvPr>
+        </p:nvSpPr>
+        <p:spPr/>
+        <p:txBody>
+          <a:bodyPr/>
+          <a:lstStyle/>
+          <a:p>
+            <a:endParaRPr lang="en-US"/>
+          </a:p>
+        </p:txBody>
+      </p:sp>
+      <p:sp>
+        <p:nvSpPr>
+          <p:cNvPr id="6" name="Content Placeholder 5">
+            <a:extLst>
+              <a:ext uri="{FF2B5EF4-FFF2-40B4-BE49-F238E27FC236}">
+                <a16:creationId xmlns:a16="http://schemas.microsoft.com/office/drawing/2014/main" id="{0D724723-FE12-D65F-4267-74D8D0ECD51E}"/>
+              </a:ext>
+            </a:extLst>
+          </p:cNvPr>
+          <p:cNvSpPr>
+            <a:spLocks noGrp="1"/>
+          </p:cNvSpPr>
+          <p:nvPr>
+            <p:ph sz="quarter" idx="4"/>
+          </p:nvPr>
+        </p:nvSpPr>
+        <p:spPr/>
+        <p:txBody>
+          <a:bodyPr/>
+          <a:lstStyle/>
+          <a:p>
+            <a:endParaRPr lang="en-US"/>
+          </a:p>
+        </p:txBody>
+      </p:sp>
     </p:spTree>
     <p:extLst>
       <p:ext uri="{BB962C8B-B14F-4D97-AF65-F5344CB8AC3E}">
-        <p14:creationId xmlns:p14="http://schemas.microsoft.com/office/powerpoint/2010/main" val="3488931604"/>
+        <p14:creationId xmlns:p14="http://schemas.microsoft.com/office/powerpoint/2010/main" val="1816128598"/>
       </p:ext>
     </p:extLst>
   </p:cSld>
@@ -6113,168 +5769,6 @@
           <p:cNvPr id="2" name="Title 1">
             <a:extLst>
               <a:ext uri="{FF2B5EF4-FFF2-40B4-BE49-F238E27FC236}">
-                <a16:creationId xmlns:a16="http://schemas.microsoft.com/office/drawing/2014/main" id="{B2B04DB2-1333-ABCA-790E-810E9010BF43}"/>
-              </a:ext>
-            </a:extLst>
-          </p:cNvPr>
-          <p:cNvSpPr>
-            <a:spLocks noGrp="1"/>
-          </p:cNvSpPr>
-          <p:nvPr>
-            <p:ph type="title"/>
-          </p:nvPr>
-        </p:nvSpPr>
-        <p:spPr/>
-        <p:txBody>
-          <a:bodyPr/>
-          <a:lstStyle/>
-          <a:p>
-            <a:r>
-              <a:rPr lang="en-US" dirty="0">
-                <a:solidFill>
-                  <a:schemeClr val="bg1"/>
-                </a:solidFill>
-              </a:rPr>
-              <a:t>Regression</a:t>
-            </a:r>
-          </a:p>
-        </p:txBody>
-      </p:sp>
-      <p:sp>
-        <p:nvSpPr>
-          <p:cNvPr id="3" name="Text Placeholder 2">
-            <a:extLst>
-              <a:ext uri="{FF2B5EF4-FFF2-40B4-BE49-F238E27FC236}">
-                <a16:creationId xmlns:a16="http://schemas.microsoft.com/office/drawing/2014/main" id="{05F8B029-54B5-20CA-B650-36985A9CF208}"/>
-              </a:ext>
-            </a:extLst>
-          </p:cNvPr>
-          <p:cNvSpPr>
-            <a:spLocks noGrp="1"/>
-          </p:cNvSpPr>
-          <p:nvPr>
-            <p:ph type="body" idx="1"/>
-          </p:nvPr>
-        </p:nvSpPr>
-        <p:spPr/>
-        <p:txBody>
-          <a:bodyPr/>
-          <a:lstStyle/>
-          <a:p>
-            <a:endParaRPr lang="en-US"/>
-          </a:p>
-        </p:txBody>
-      </p:sp>
-      <p:sp>
-        <p:nvSpPr>
-          <p:cNvPr id="4" name="Content Placeholder 3">
-            <a:extLst>
-              <a:ext uri="{FF2B5EF4-FFF2-40B4-BE49-F238E27FC236}">
-                <a16:creationId xmlns:a16="http://schemas.microsoft.com/office/drawing/2014/main" id="{4E5DEF6F-BDE4-461A-FA95-6CA27EE7464C}"/>
-              </a:ext>
-            </a:extLst>
-          </p:cNvPr>
-          <p:cNvSpPr>
-            <a:spLocks noGrp="1"/>
-          </p:cNvSpPr>
-          <p:nvPr>
-            <p:ph sz="half" idx="2"/>
-          </p:nvPr>
-        </p:nvSpPr>
-        <p:spPr/>
-        <p:txBody>
-          <a:bodyPr/>
-          <a:lstStyle/>
-          <a:p>
-            <a:endParaRPr lang="en-US"/>
-          </a:p>
-        </p:txBody>
-      </p:sp>
-      <p:sp>
-        <p:nvSpPr>
-          <p:cNvPr id="5" name="Text Placeholder 4">
-            <a:extLst>
-              <a:ext uri="{FF2B5EF4-FFF2-40B4-BE49-F238E27FC236}">
-                <a16:creationId xmlns:a16="http://schemas.microsoft.com/office/drawing/2014/main" id="{392D86CE-5FEE-CA0E-3C55-3EBC8F5082F7}"/>
-              </a:ext>
-            </a:extLst>
-          </p:cNvPr>
-          <p:cNvSpPr>
-            <a:spLocks noGrp="1"/>
-          </p:cNvSpPr>
-          <p:nvPr>
-            <p:ph type="body" sz="quarter" idx="3"/>
-          </p:nvPr>
-        </p:nvSpPr>
-        <p:spPr/>
-        <p:txBody>
-          <a:bodyPr/>
-          <a:lstStyle/>
-          <a:p>
-            <a:endParaRPr lang="en-US"/>
-          </a:p>
-        </p:txBody>
-      </p:sp>
-      <p:sp>
-        <p:nvSpPr>
-          <p:cNvPr id="6" name="Content Placeholder 5">
-            <a:extLst>
-              <a:ext uri="{FF2B5EF4-FFF2-40B4-BE49-F238E27FC236}">
-                <a16:creationId xmlns:a16="http://schemas.microsoft.com/office/drawing/2014/main" id="{0D724723-FE12-D65F-4267-74D8D0ECD51E}"/>
-              </a:ext>
-            </a:extLst>
-          </p:cNvPr>
-          <p:cNvSpPr>
-            <a:spLocks noGrp="1"/>
-          </p:cNvSpPr>
-          <p:nvPr>
-            <p:ph sz="quarter" idx="4"/>
-          </p:nvPr>
-        </p:nvSpPr>
-        <p:spPr/>
-        <p:txBody>
-          <a:bodyPr/>
-          <a:lstStyle/>
-          <a:p>
-            <a:endParaRPr lang="en-US"/>
-          </a:p>
-        </p:txBody>
-      </p:sp>
-    </p:spTree>
-    <p:extLst>
-      <p:ext uri="{BB962C8B-B14F-4D97-AF65-F5344CB8AC3E}">
-        <p14:creationId xmlns:p14="http://schemas.microsoft.com/office/powerpoint/2010/main" val="1816128598"/>
-      </p:ext>
-    </p:extLst>
-  </p:cSld>
-  <p:clrMapOvr>
-    <a:masterClrMapping/>
-  </p:clrMapOvr>
-</p:sld>
-</file>
-
-<file path=ppt/slides/slide14.xml><?xml version="1.0" encoding="utf-8"?>
-<p:sld xmlns:a="http://schemas.openxmlformats.org/drawingml/2006/main" xmlns:r="http://schemas.openxmlformats.org/officeDocument/2006/relationships" xmlns:p="http://schemas.openxmlformats.org/presentationml/2006/main">
-  <p:cSld>
-    <p:spTree>
-      <p:nvGrpSpPr>
-        <p:cNvPr id="1" name=""/>
-        <p:cNvGrpSpPr/>
-        <p:nvPr/>
-      </p:nvGrpSpPr>
-      <p:grpSpPr>
-        <a:xfrm>
-          <a:off x="0" y="0"/>
-          <a:ext cx="0" cy="0"/>
-          <a:chOff x="0" y="0"/>
-          <a:chExt cx="0" cy="0"/>
-        </a:xfrm>
-      </p:grpSpPr>
-      <p:sp>
-        <p:nvSpPr>
-          <p:cNvPr id="2" name="Title 1">
-            <a:extLst>
-              <a:ext uri="{FF2B5EF4-FFF2-40B4-BE49-F238E27FC236}">
                 <a16:creationId xmlns:a16="http://schemas.microsoft.com/office/drawing/2014/main" id="{2AB71C2B-F1C5-7637-8D47-4E919252E621}"/>
               </a:ext>
             </a:extLst>
@@ -6340,7 +5834,7 @@
 </p:sld>
 </file>
 
-<file path=ppt/slides/slide15.xml><?xml version="1.0" encoding="utf-8"?>
+<file path=ppt/slides/slide14.xml><?xml version="1.0" encoding="utf-8"?>
 <p:sld xmlns:a="http://schemas.openxmlformats.org/drawingml/2006/main" xmlns:r="http://schemas.openxmlformats.org/officeDocument/2006/relationships" xmlns:p="http://schemas.openxmlformats.org/presentationml/2006/main">
   <p:cSld>
     <p:spTree>
@@ -6774,7 +6268,7 @@
 </p:sld>
 </file>
 
-<file path=ppt/slides/slide16.xml><?xml version="1.0" encoding="utf-8"?>
+<file path=ppt/slides/slide15.xml><?xml version="1.0" encoding="utf-8"?>
 <p:sld xmlns:a="http://schemas.openxmlformats.org/drawingml/2006/main" xmlns:r="http://schemas.openxmlformats.org/officeDocument/2006/relationships" xmlns:p="http://schemas.openxmlformats.org/presentationml/2006/main">
   <p:cSld>
     <p:spTree>
@@ -7917,396 +7411,6 @@
       </p:grpSpPr>
       <p:sp>
         <p:nvSpPr>
-          <p:cNvPr id="2" name="Content Placeholder 3">
-            <a:extLst>
-              <a:ext uri="{FF2B5EF4-FFF2-40B4-BE49-F238E27FC236}">
-                <a16:creationId xmlns:a16="http://schemas.microsoft.com/office/drawing/2014/main" id="{BF3CE5D5-9E9B-12AF-96D3-051246C23CE4}"/>
-              </a:ext>
-            </a:extLst>
-          </p:cNvPr>
-          <p:cNvSpPr txBox="1">
-            <a:spLocks/>
-          </p:cNvSpPr>
-          <p:nvPr/>
-        </p:nvSpPr>
-        <p:spPr>
-          <a:xfrm>
-            <a:off x="252454" y="437322"/>
-            <a:ext cx="4480560" cy="4351337"/>
-          </a:xfrm>
-          <a:prstGeom prst="rect">
-            <a:avLst/>
-          </a:prstGeom>
-        </p:spPr>
-        <p:txBody>
-          <a:bodyPr/>
-          <a:lstStyle>
-            <a:lvl1pPr marL="182880" indent="-182880" algn="l" defTabSz="914400" rtl="0" eaLnBrk="1" latinLnBrk="0" hangingPunct="1">
-              <a:lnSpc>
-                <a:spcPct val="95000"/>
-              </a:lnSpc>
-              <a:spcBef>
-                <a:spcPts val="1400"/>
-              </a:spcBef>
-              <a:spcAft>
-                <a:spcPts val="200"/>
-              </a:spcAft>
-              <a:buClr>
-                <a:schemeClr val="accent1"/>
-              </a:buClr>
-              <a:buSzPct val="80000"/>
-              <a:buFont typeface="Arial" pitchFamily="34" charset="0"/>
-              <a:buChar char="•"/>
-              <a:defRPr sz="1800" kern="1200" spc="10" baseline="0">
-                <a:solidFill>
-                  <a:schemeClr val="tx1"/>
-                </a:solidFill>
-                <a:latin typeface="+mn-lt"/>
-                <a:ea typeface="+mn-ea"/>
-                <a:cs typeface="+mn-cs"/>
-              </a:defRPr>
-            </a:lvl1pPr>
-            <a:lvl2pPr marL="457200" indent="-182880" algn="l" defTabSz="914400" rtl="0" eaLnBrk="1" latinLnBrk="0" hangingPunct="1">
-              <a:lnSpc>
-                <a:spcPct val="90000"/>
-              </a:lnSpc>
-              <a:spcBef>
-                <a:spcPts val="300"/>
-              </a:spcBef>
-              <a:spcAft>
-                <a:spcPts val="300"/>
-              </a:spcAft>
-              <a:buClr>
-                <a:schemeClr val="accent1"/>
-              </a:buClr>
-              <a:buFont typeface="Wingdings 2" pitchFamily="18" charset="2"/>
-              <a:buChar char=""/>
-              <a:defRPr sz="1600" kern="1200">
-                <a:solidFill>
-                  <a:schemeClr val="tx1">
-                    <a:lumMod val="85000"/>
-                    <a:lumOff val="15000"/>
-                  </a:schemeClr>
-                </a:solidFill>
-                <a:latin typeface="+mn-lt"/>
-                <a:ea typeface="+mn-ea"/>
-                <a:cs typeface="+mn-cs"/>
-              </a:defRPr>
-            </a:lvl2pPr>
-            <a:lvl3pPr marL="731520" indent="-182880" algn="l" defTabSz="914400" rtl="0" eaLnBrk="1" latinLnBrk="0" hangingPunct="1">
-              <a:lnSpc>
-                <a:spcPct val="90000"/>
-              </a:lnSpc>
-              <a:spcBef>
-                <a:spcPts val="300"/>
-              </a:spcBef>
-              <a:spcAft>
-                <a:spcPts val="300"/>
-              </a:spcAft>
-              <a:buClr>
-                <a:schemeClr val="accent1"/>
-              </a:buClr>
-              <a:buFont typeface="Wingdings 2" pitchFamily="18" charset="2"/>
-              <a:buChar char=""/>
-              <a:defRPr sz="1400" kern="1200">
-                <a:solidFill>
-                  <a:schemeClr val="tx1">
-                    <a:lumMod val="85000"/>
-                    <a:lumOff val="15000"/>
-                  </a:schemeClr>
-                </a:solidFill>
-                <a:latin typeface="+mn-lt"/>
-                <a:ea typeface="+mn-ea"/>
-                <a:cs typeface="+mn-cs"/>
-              </a:defRPr>
-            </a:lvl3pPr>
-            <a:lvl4pPr marL="1005840" indent="-182880" algn="l" defTabSz="914400" rtl="0" eaLnBrk="1" latinLnBrk="0" hangingPunct="1">
-              <a:lnSpc>
-                <a:spcPct val="90000"/>
-              </a:lnSpc>
-              <a:spcBef>
-                <a:spcPts val="300"/>
-              </a:spcBef>
-              <a:spcAft>
-                <a:spcPts val="300"/>
-              </a:spcAft>
-              <a:buClr>
-                <a:schemeClr val="accent1"/>
-              </a:buClr>
-              <a:buFont typeface="Wingdings 2" pitchFamily="18" charset="2"/>
-              <a:buChar char=""/>
-              <a:defRPr sz="1400" kern="1200">
-                <a:solidFill>
-                  <a:schemeClr val="tx1">
-                    <a:lumMod val="85000"/>
-                    <a:lumOff val="15000"/>
-                  </a:schemeClr>
-                </a:solidFill>
-                <a:latin typeface="+mn-lt"/>
-                <a:ea typeface="+mn-ea"/>
-                <a:cs typeface="+mn-cs"/>
-              </a:defRPr>
-            </a:lvl4pPr>
-            <a:lvl5pPr marL="1280160" indent="-182880" algn="l" defTabSz="914400" rtl="0" eaLnBrk="1" latinLnBrk="0" hangingPunct="1">
-              <a:lnSpc>
-                <a:spcPct val="90000"/>
-              </a:lnSpc>
-              <a:spcBef>
-                <a:spcPts val="300"/>
-              </a:spcBef>
-              <a:spcAft>
-                <a:spcPts val="300"/>
-              </a:spcAft>
-              <a:buClr>
-                <a:schemeClr val="accent1"/>
-              </a:buClr>
-              <a:buFont typeface="Wingdings 2" pitchFamily="18" charset="2"/>
-              <a:buChar char=""/>
-              <a:defRPr sz="1400" kern="1200">
-                <a:solidFill>
-                  <a:schemeClr val="tx1">
-                    <a:lumMod val="85000"/>
-                    <a:lumOff val="15000"/>
-                  </a:schemeClr>
-                </a:solidFill>
-                <a:latin typeface="+mn-lt"/>
-                <a:ea typeface="+mn-ea"/>
-                <a:cs typeface="+mn-cs"/>
-              </a:defRPr>
-            </a:lvl5pPr>
-            <a:lvl6pPr marL="1600000" indent="-228600" algn="l" defTabSz="914400" rtl="0" eaLnBrk="1" latinLnBrk="0" hangingPunct="1">
-              <a:lnSpc>
-                <a:spcPct val="90000"/>
-              </a:lnSpc>
-              <a:spcBef>
-                <a:spcPts val="300"/>
-              </a:spcBef>
-              <a:spcAft>
-                <a:spcPts val="300"/>
-              </a:spcAft>
-              <a:buClr>
-                <a:schemeClr val="accent1"/>
-              </a:buClr>
-              <a:buFont typeface="Wingdings 2" pitchFamily="18" charset="2"/>
-              <a:buChar char=""/>
-              <a:defRPr sz="1400" kern="1200">
-                <a:solidFill>
-                  <a:schemeClr val="tx1">
-                    <a:lumMod val="85000"/>
-                    <a:lumOff val="15000"/>
-                  </a:schemeClr>
-                </a:solidFill>
-                <a:latin typeface="+mn-lt"/>
-                <a:ea typeface="+mn-ea"/>
-                <a:cs typeface="+mn-cs"/>
-              </a:defRPr>
-            </a:lvl6pPr>
-            <a:lvl7pPr marL="1900000" indent="-228600" algn="l" defTabSz="914400" rtl="0" eaLnBrk="1" latinLnBrk="0" hangingPunct="1">
-              <a:lnSpc>
-                <a:spcPct val="90000"/>
-              </a:lnSpc>
-              <a:spcBef>
-                <a:spcPts val="300"/>
-              </a:spcBef>
-              <a:spcAft>
-                <a:spcPts val="300"/>
-              </a:spcAft>
-              <a:buClr>
-                <a:schemeClr val="accent1"/>
-              </a:buClr>
-              <a:buFont typeface="Wingdings 2" pitchFamily="18" charset="2"/>
-              <a:buChar char=""/>
-              <a:defRPr sz="1400" kern="1200">
-                <a:solidFill>
-                  <a:schemeClr val="tx1">
-                    <a:lumMod val="85000"/>
-                    <a:lumOff val="15000"/>
-                  </a:schemeClr>
-                </a:solidFill>
-                <a:latin typeface="+mn-lt"/>
-                <a:ea typeface="+mn-ea"/>
-                <a:cs typeface="+mn-cs"/>
-              </a:defRPr>
-            </a:lvl7pPr>
-            <a:lvl8pPr marL="2200000" indent="-228600" algn="l" defTabSz="914400" rtl="0" eaLnBrk="1" latinLnBrk="0" hangingPunct="1">
-              <a:lnSpc>
-                <a:spcPct val="90000"/>
-              </a:lnSpc>
-              <a:spcBef>
-                <a:spcPts val="300"/>
-              </a:spcBef>
-              <a:spcAft>
-                <a:spcPts val="300"/>
-              </a:spcAft>
-              <a:buClr>
-                <a:schemeClr val="accent1"/>
-              </a:buClr>
-              <a:buFont typeface="Wingdings 2" pitchFamily="18" charset="2"/>
-              <a:buChar char=""/>
-              <a:defRPr sz="1400" kern="1200">
-                <a:solidFill>
-                  <a:schemeClr val="tx1">
-                    <a:lumMod val="85000"/>
-                    <a:lumOff val="15000"/>
-                  </a:schemeClr>
-                </a:solidFill>
-                <a:latin typeface="+mn-lt"/>
-                <a:ea typeface="+mn-ea"/>
-                <a:cs typeface="+mn-cs"/>
-              </a:defRPr>
-            </a:lvl8pPr>
-            <a:lvl9pPr marL="2500000" indent="-228600" algn="l" defTabSz="914400" rtl="0" eaLnBrk="1" latinLnBrk="0" hangingPunct="1">
-              <a:lnSpc>
-                <a:spcPct val="90000"/>
-              </a:lnSpc>
-              <a:spcBef>
-                <a:spcPts val="300"/>
-              </a:spcBef>
-              <a:spcAft>
-                <a:spcPts val="300"/>
-              </a:spcAft>
-              <a:buClr>
-                <a:schemeClr val="accent1"/>
-              </a:buClr>
-              <a:buFont typeface="Wingdings 2" pitchFamily="18" charset="2"/>
-              <a:buChar char=""/>
-              <a:defRPr sz="1400" kern="1200">
-                <a:solidFill>
-                  <a:schemeClr val="tx1">
-                    <a:lumMod val="85000"/>
-                    <a:lumOff val="15000"/>
-                  </a:schemeClr>
-                </a:solidFill>
-                <a:latin typeface="+mn-lt"/>
-                <a:ea typeface="+mn-ea"/>
-                <a:cs typeface="+mn-cs"/>
-              </a:defRPr>
-            </a:lvl9pPr>
-          </a:lstStyle>
-          <a:p>
-            <a:pPr>
-              <a:buClr>
-                <a:schemeClr val="bg1"/>
-              </a:buClr>
-            </a:pPr>
-            <a:r>
-              <a:rPr lang="en-US" dirty="0">
-                <a:solidFill>
-                  <a:schemeClr val="bg1"/>
-                </a:solidFill>
-                <a:latin typeface="+mj-lt"/>
-              </a:rPr>
-              <a:t>Are there significant differences in mental health rankings based on age groups for those who frequently listen to specific genres?</a:t>
-            </a:r>
-          </a:p>
-          <a:p>
-            <a:pPr lvl="1">
-              <a:buClr>
-                <a:schemeClr val="bg1"/>
-              </a:buClr>
-              <a:buFont typeface="Arial" panose="020B0604020202020204" pitchFamily="34" charset="0"/>
-              <a:buChar char="•"/>
-            </a:pPr>
-            <a:r>
-              <a:rPr lang="en-US" dirty="0">
-                <a:solidFill>
-                  <a:schemeClr val="bg1"/>
-                </a:solidFill>
-                <a:latin typeface="+mj-lt"/>
-              </a:rPr>
-              <a:t>Distribution of illness by age</a:t>
-            </a:r>
-          </a:p>
-          <a:p>
-            <a:pPr lvl="2">
-              <a:buClr>
-                <a:schemeClr val="bg1"/>
-              </a:buClr>
-              <a:buFont typeface="Arial" panose="020B0604020202020204" pitchFamily="34" charset="0"/>
-              <a:buChar char="•"/>
-            </a:pPr>
-            <a:r>
-              <a:rPr lang="en-US" dirty="0">
-                <a:solidFill>
-                  <a:schemeClr val="bg1"/>
-                </a:solidFill>
-                <a:latin typeface="+mj-lt"/>
-              </a:rPr>
-              <a:t>Under 40 y/o = bad mental health (OCD limited)</a:t>
-            </a:r>
-          </a:p>
-          <a:p>
-            <a:pPr lvl="1">
-              <a:buClr>
-                <a:schemeClr val="bg1"/>
-              </a:buClr>
-              <a:buFont typeface="Arial" panose="020B0604020202020204" pitchFamily="34" charset="0"/>
-              <a:buChar char="•"/>
-            </a:pPr>
-            <a:r>
-              <a:rPr lang="en-US" dirty="0">
-                <a:solidFill>
-                  <a:schemeClr val="bg1"/>
-                </a:solidFill>
-                <a:latin typeface="+mj-lt"/>
-              </a:rPr>
-              <a:t>Illness level by fav genre and age</a:t>
-            </a:r>
-          </a:p>
-          <a:p>
-            <a:pPr lvl="2">
-              <a:buClr>
-                <a:schemeClr val="bg1"/>
-              </a:buClr>
-              <a:buFont typeface="Arial" panose="020B0604020202020204" pitchFamily="34" charset="0"/>
-              <a:buChar char="•"/>
-            </a:pPr>
-            <a:r>
-              <a:rPr lang="en-US" dirty="0">
-                <a:solidFill>
-                  <a:schemeClr val="bg1"/>
-                </a:solidFill>
-              </a:rPr>
-              <a:t>Highest mental illness (not OCD) with Rock, Pop, Metal, Hip hop</a:t>
-            </a:r>
-          </a:p>
-          <a:p>
-            <a:endParaRPr lang="en-US" dirty="0"/>
-          </a:p>
-        </p:txBody>
-      </p:sp>
-    </p:spTree>
-    <p:extLst>
-      <p:ext uri="{BB962C8B-B14F-4D97-AF65-F5344CB8AC3E}">
-        <p14:creationId xmlns:p14="http://schemas.microsoft.com/office/powerpoint/2010/main" val="19902726"/>
-      </p:ext>
-    </p:extLst>
-  </p:cSld>
-  <p:clrMapOvr>
-    <a:masterClrMapping/>
-  </p:clrMapOvr>
-</p:sld>
-</file>
-
-<file path=ppt/slides/slide6.xml><?xml version="1.0" encoding="utf-8"?>
-<p:sld xmlns:a="http://schemas.openxmlformats.org/drawingml/2006/main" xmlns:r="http://schemas.openxmlformats.org/officeDocument/2006/relationships" xmlns:p="http://schemas.openxmlformats.org/presentationml/2006/main">
-  <p:cSld>
-    <p:spTree>
-      <p:nvGrpSpPr>
-        <p:cNvPr id="1" name=""/>
-        <p:cNvGrpSpPr/>
-        <p:nvPr/>
-      </p:nvGrpSpPr>
-      <p:grpSpPr>
-        <a:xfrm>
-          <a:off x="0" y="0"/>
-          <a:ext cx="0" cy="0"/>
-          <a:chOff x="0" y="0"/>
-          <a:chExt cx="0" cy="0"/>
-        </a:xfrm>
-      </p:grpSpPr>
-      <p:sp>
-        <p:nvSpPr>
           <p:cNvPr id="9" name="Rectangle 8">
             <a:extLst>
               <a:ext uri="{FF2B5EF4-FFF2-40B4-BE49-F238E27FC236}">
@@ -8415,18 +7519,34 @@
         </p:nvSpPr>
         <p:spPr>
           <a:xfrm>
-            <a:off x="771526" y="1764189"/>
-            <a:ext cx="9894300" cy="731520"/>
+            <a:off x="771526" y="1628704"/>
+            <a:ext cx="9894300" cy="1029038"/>
           </a:xfrm>
         </p:spPr>
         <p:txBody>
           <a:bodyPr>
-            <a:normAutofit lnSpcReduction="10000"/>
+            <a:normAutofit/>
           </a:bodyPr>
           <a:lstStyle/>
           <a:p>
             <a:r>
-              <a:rPr lang="en-US" sz="2400" dirty="0">
+              <a:rPr lang="en-US" b="1" dirty="0">
+                <a:solidFill>
+                  <a:schemeClr val="tx1"/>
+                </a:solidFill>
+                <a:latin typeface="+mj-lt"/>
+              </a:rPr>
+              <a:t>Distribution of illness by age</a:t>
+            </a:r>
+            <a:endParaRPr lang="en-US" b="1" dirty="0">
+              <a:solidFill>
+                <a:schemeClr val="tx1"/>
+              </a:solidFill>
+            </a:endParaRPr>
+          </a:p>
+          <a:p>
+            <a:r>
+              <a:rPr lang="en-US" sz="1800" dirty="0">
                 <a:solidFill>
                   <a:schemeClr val="tx1"/>
                 </a:solidFill>
@@ -8479,7 +7599,7 @@
 </p:sld>
 </file>
 
-<file path=ppt/slides/slide7.xml><?xml version="1.0" encoding="utf-8"?>
+<file path=ppt/slides/slide6.xml><?xml version="1.0" encoding="utf-8"?>
 <p:sld xmlns:a="http://schemas.openxmlformats.org/drawingml/2006/main" xmlns:r="http://schemas.openxmlformats.org/officeDocument/2006/relationships" xmlns:p="http://schemas.openxmlformats.org/presentationml/2006/main">
   <p:cSld>
     <p:spTree>
@@ -8615,6 +7735,481 @@
 </p:sld>
 </file>
 
+<file path=ppt/slides/slide7.xml><?xml version="1.0" encoding="utf-8"?>
+<p:sld xmlns:a="http://schemas.openxmlformats.org/drawingml/2006/main" xmlns:r="http://schemas.openxmlformats.org/officeDocument/2006/relationships" xmlns:p="http://schemas.openxmlformats.org/presentationml/2006/main">
+  <p:cSld>
+    <p:spTree>
+      <p:nvGrpSpPr>
+        <p:cNvPr id="1" name=""/>
+        <p:cNvGrpSpPr/>
+        <p:nvPr/>
+      </p:nvGrpSpPr>
+      <p:grpSpPr>
+        <a:xfrm>
+          <a:off x="0" y="0"/>
+          <a:ext cx="0" cy="0"/>
+          <a:chOff x="0" y="0"/>
+          <a:chExt cx="0" cy="0"/>
+        </a:xfrm>
+      </p:grpSpPr>
+      <p:sp>
+        <p:nvSpPr>
+          <p:cNvPr id="2" name="Title 1">
+            <a:extLst>
+              <a:ext uri="{FF2B5EF4-FFF2-40B4-BE49-F238E27FC236}">
+                <a16:creationId xmlns:a16="http://schemas.microsoft.com/office/drawing/2014/main" id="{A0E1C835-52D3-F5DC-3977-5B8F0DF215BE}"/>
+              </a:ext>
+            </a:extLst>
+          </p:cNvPr>
+          <p:cNvSpPr>
+            <a:spLocks noGrp="1"/>
+          </p:cNvSpPr>
+          <p:nvPr>
+            <p:ph type="title"/>
+          </p:nvPr>
+        </p:nvSpPr>
+        <p:spPr>
+          <a:xfrm>
+            <a:off x="9049996" y="-142603"/>
+            <a:ext cx="2538101" cy="1168097"/>
+          </a:xfrm>
+        </p:spPr>
+        <p:txBody>
+          <a:bodyPr>
+            <a:noAutofit/>
+          </a:bodyPr>
+          <a:lstStyle/>
+          <a:p>
+            <a:pPr lvl="1"/>
+            <a:r>
+              <a:rPr lang="en-US" sz="2000" dirty="0">
+                <a:solidFill>
+                  <a:schemeClr val="bg1"/>
+                </a:solidFill>
+                <a:latin typeface="+mj-lt"/>
+              </a:rPr>
+              <a:t>Illness level by Fav Genre and Age</a:t>
+            </a:r>
+            <a:endParaRPr lang="en-US" sz="2000" dirty="0">
+              <a:solidFill>
+                <a:schemeClr val="bg1"/>
+              </a:solidFill>
+            </a:endParaRPr>
+          </a:p>
+        </p:txBody>
+      </p:sp>
+      <p:pic>
+        <p:nvPicPr>
+          <p:cNvPr id="4" name="Picture 3">
+            <a:extLst>
+              <a:ext uri="{FF2B5EF4-FFF2-40B4-BE49-F238E27FC236}">
+                <a16:creationId xmlns:a16="http://schemas.microsoft.com/office/drawing/2014/main" id="{8BF35CF4-9DCD-1B91-1C2D-C662BE745D96}"/>
+              </a:ext>
+            </a:extLst>
+          </p:cNvPr>
+          <p:cNvPicPr>
+            <a:picLocks noChangeAspect="1"/>
+          </p:cNvPicPr>
+          <p:nvPr/>
+        </p:nvPicPr>
+        <p:blipFill>
+          <a:blip r:embed="rId2"/>
+          <a:stretch>
+            <a:fillRect/>
+          </a:stretch>
+        </p:blipFill>
+        <p:spPr>
+          <a:xfrm>
+            <a:off x="150480" y="152401"/>
+            <a:ext cx="8818029" cy="6553200"/>
+          </a:xfrm>
+          <a:prstGeom prst="rect">
+            <a:avLst/>
+          </a:prstGeom>
+        </p:spPr>
+      </p:pic>
+      <p:pic>
+        <p:nvPicPr>
+          <p:cNvPr id="6" name="Picture 5">
+            <a:extLst>
+              <a:ext uri="{FF2B5EF4-FFF2-40B4-BE49-F238E27FC236}">
+                <a16:creationId xmlns:a16="http://schemas.microsoft.com/office/drawing/2014/main" id="{55676A9B-5F06-57DD-77F0-ED0D8F14ED35}"/>
+              </a:ext>
+            </a:extLst>
+          </p:cNvPr>
+          <p:cNvPicPr>
+            <a:picLocks noChangeAspect="1"/>
+          </p:cNvPicPr>
+          <p:nvPr/>
+        </p:nvPicPr>
+        <p:blipFill>
+          <a:blip r:embed="rId3"/>
+          <a:stretch>
+            <a:fillRect/>
+          </a:stretch>
+        </p:blipFill>
+        <p:spPr>
+          <a:xfrm>
+            <a:off x="150480" y="152399"/>
+            <a:ext cx="8818029" cy="6553200"/>
+          </a:xfrm>
+          <a:prstGeom prst="rect">
+            <a:avLst/>
+          </a:prstGeom>
+        </p:spPr>
+      </p:pic>
+      <p:pic>
+        <p:nvPicPr>
+          <p:cNvPr id="11" name="Picture 10">
+            <a:extLst>
+              <a:ext uri="{FF2B5EF4-FFF2-40B4-BE49-F238E27FC236}">
+                <a16:creationId xmlns:a16="http://schemas.microsoft.com/office/drawing/2014/main" id="{C8E8A428-8655-D696-9CA9-1BFB8612032B}"/>
+              </a:ext>
+            </a:extLst>
+          </p:cNvPr>
+          <p:cNvPicPr>
+            <a:picLocks noChangeAspect="1"/>
+          </p:cNvPicPr>
+          <p:nvPr/>
+        </p:nvPicPr>
+        <p:blipFill>
+          <a:blip r:embed="rId4"/>
+          <a:stretch>
+            <a:fillRect/>
+          </a:stretch>
+        </p:blipFill>
+        <p:spPr>
+          <a:xfrm>
+            <a:off x="150480" y="152400"/>
+            <a:ext cx="8818029" cy="6553200"/>
+          </a:xfrm>
+          <a:prstGeom prst="rect">
+            <a:avLst/>
+          </a:prstGeom>
+        </p:spPr>
+      </p:pic>
+      <p:pic>
+        <p:nvPicPr>
+          <p:cNvPr id="13" name="Picture 12">
+            <a:extLst>
+              <a:ext uri="{FF2B5EF4-FFF2-40B4-BE49-F238E27FC236}">
+                <a16:creationId xmlns:a16="http://schemas.microsoft.com/office/drawing/2014/main" id="{3235C85A-EBA7-96EC-611C-80AB142DD673}"/>
+              </a:ext>
+            </a:extLst>
+          </p:cNvPr>
+          <p:cNvPicPr>
+            <a:picLocks noChangeAspect="1"/>
+          </p:cNvPicPr>
+          <p:nvPr/>
+        </p:nvPicPr>
+        <p:blipFill>
+          <a:blip r:embed="rId5"/>
+          <a:stretch>
+            <a:fillRect/>
+          </a:stretch>
+        </p:blipFill>
+        <p:spPr>
+          <a:xfrm>
+            <a:off x="150480" y="152399"/>
+            <a:ext cx="8818029" cy="6553200"/>
+          </a:xfrm>
+          <a:prstGeom prst="rect">
+            <a:avLst/>
+          </a:prstGeom>
+        </p:spPr>
+      </p:pic>
+      <p:sp>
+        <p:nvSpPr>
+          <p:cNvPr id="14" name="Title 1">
+            <a:extLst>
+              <a:ext uri="{FF2B5EF4-FFF2-40B4-BE49-F238E27FC236}">
+                <a16:creationId xmlns:a16="http://schemas.microsoft.com/office/drawing/2014/main" id="{E60A4F87-8F68-6C95-36F5-6A6AA977EB67}"/>
+              </a:ext>
+            </a:extLst>
+          </p:cNvPr>
+          <p:cNvSpPr txBox="1">
+            <a:spLocks/>
+          </p:cNvSpPr>
+          <p:nvPr/>
+        </p:nvSpPr>
+        <p:spPr>
+          <a:xfrm>
+            <a:off x="9049996" y="1145136"/>
+            <a:ext cx="2213361" cy="3443955"/>
+          </a:xfrm>
+          <a:prstGeom prst="rect">
+            <a:avLst/>
+          </a:prstGeom>
+        </p:spPr>
+        <p:txBody>
+          <a:bodyPr vert="horz" lIns="91440" tIns="45720" rIns="91440" bIns="45720" rtlCol="0" anchor="b">
+            <a:normAutofit lnSpcReduction="10000"/>
+          </a:bodyPr>
+          <a:lstStyle>
+            <a:lvl1pPr algn="l" defTabSz="914400" rtl="0" eaLnBrk="1" latinLnBrk="0" hangingPunct="1">
+              <a:lnSpc>
+                <a:spcPct val="90000"/>
+              </a:lnSpc>
+              <a:spcBef>
+                <a:spcPct val="0"/>
+              </a:spcBef>
+              <a:buNone/>
+              <a:defRPr sz="4400" kern="1200" spc="-50" baseline="0">
+                <a:solidFill>
+                  <a:schemeClr val="tx1"/>
+                </a:solidFill>
+                <a:latin typeface="+mj-lt"/>
+                <a:ea typeface="+mj-ea"/>
+                <a:cs typeface="+mj-cs"/>
+              </a:defRPr>
+            </a:lvl1pPr>
+          </a:lstStyle>
+          <a:p>
+            <a:pPr marL="0" lvl="1" defTabSz="914400"/>
+            <a:r>
+              <a:rPr lang="en-US" kern="0" dirty="0">
+                <a:solidFill>
+                  <a:schemeClr val="bg1"/>
+                </a:solidFill>
+              </a:rPr>
+              <a:t>-Increase Anxiety, Depression and Insomnia on Ages &lt;30 with Pop, Rock and Video Game Music.</a:t>
+            </a:r>
+          </a:p>
+          <a:p>
+            <a:pPr marL="0" lvl="1" defTabSz="914400"/>
+            <a:endParaRPr lang="en-US" kern="0" dirty="0">
+              <a:solidFill>
+                <a:schemeClr val="bg1"/>
+              </a:solidFill>
+            </a:endParaRPr>
+          </a:p>
+          <a:p>
+            <a:pPr marL="0" lvl="1" defTabSz="914400"/>
+            <a:r>
+              <a:rPr lang="en-US" kern="0" dirty="0">
+                <a:solidFill>
+                  <a:schemeClr val="bg1"/>
+                </a:solidFill>
+              </a:rPr>
+              <a:t>-Increase OCD, with Pop, Rock. Some outliers.</a:t>
+            </a:r>
+            <a:br>
+              <a:rPr lang="en-US" kern="0" dirty="0">
+                <a:solidFill>
+                  <a:schemeClr val="bg1"/>
+                </a:solidFill>
+              </a:rPr>
+            </a:br>
+            <a:endParaRPr lang="en-US" sz="4000" kern="0" dirty="0">
+              <a:solidFill>
+                <a:schemeClr val="bg1"/>
+              </a:solidFill>
+            </a:endParaRPr>
+          </a:p>
+        </p:txBody>
+      </p:sp>
+    </p:spTree>
+    <p:extLst>
+      <p:ext uri="{BB962C8B-B14F-4D97-AF65-F5344CB8AC3E}">
+        <p14:creationId xmlns:p14="http://schemas.microsoft.com/office/powerpoint/2010/main" val="670472193"/>
+      </p:ext>
+    </p:extLst>
+  </p:cSld>
+  <p:clrMapOvr>
+    <a:masterClrMapping/>
+  </p:clrMapOvr>
+  <p:timing>
+    <p:tnLst>
+      <p:par>
+        <p:cTn id="1" dur="indefinite" restart="never" nodeType="tmRoot">
+          <p:childTnLst>
+            <p:seq concurrent="1" nextAc="seek">
+              <p:cTn id="2" dur="indefinite" nodeType="mainSeq">
+                <p:childTnLst>
+                  <p:par>
+                    <p:cTn id="3" fill="hold">
+                      <p:stCondLst>
+                        <p:cond delay="indefinite"/>
+                      </p:stCondLst>
+                      <p:childTnLst>
+                        <p:par>
+                          <p:cTn id="4" fill="hold">
+                            <p:stCondLst>
+                              <p:cond delay="0"/>
+                            </p:stCondLst>
+                            <p:childTnLst>
+                              <p:par>
+                                <p:cTn id="5" presetID="6" presetClass="entr" presetSubtype="16" fill="hold" nodeType="clickEffect">
+                                  <p:stCondLst>
+                                    <p:cond delay="0"/>
+                                  </p:stCondLst>
+                                  <p:childTnLst>
+                                    <p:set>
+                                      <p:cBhvr>
+                                        <p:cTn id="6" dur="1" fill="hold">
+                                          <p:stCondLst>
+                                            <p:cond delay="0"/>
+                                          </p:stCondLst>
+                                        </p:cTn>
+                                        <p:tgtEl>
+                                          <p:spTgt spid="6"/>
+                                        </p:tgtEl>
+                                        <p:attrNameLst>
+                                          <p:attrName>style.visibility</p:attrName>
+                                        </p:attrNameLst>
+                                      </p:cBhvr>
+                                      <p:to>
+                                        <p:strVal val="visible"/>
+                                      </p:to>
+                                    </p:set>
+                                    <p:animEffect transition="in" filter="circle(in)">
+                                      <p:cBhvr>
+                                        <p:cTn id="7" dur="2000"/>
+                                        <p:tgtEl>
+                                          <p:spTgt spid="6"/>
+                                        </p:tgtEl>
+                                      </p:cBhvr>
+                                    </p:animEffect>
+                                  </p:childTnLst>
+                                </p:cTn>
+                              </p:par>
+                            </p:childTnLst>
+                          </p:cTn>
+                        </p:par>
+                      </p:childTnLst>
+                    </p:cTn>
+                  </p:par>
+                  <p:par>
+                    <p:cTn id="8" fill="hold">
+                      <p:stCondLst>
+                        <p:cond delay="indefinite"/>
+                      </p:stCondLst>
+                      <p:childTnLst>
+                        <p:par>
+                          <p:cTn id="9" fill="hold">
+                            <p:stCondLst>
+                              <p:cond delay="0"/>
+                            </p:stCondLst>
+                            <p:childTnLst>
+                              <p:par>
+                                <p:cTn id="10" presetID="6" presetClass="entr" presetSubtype="16" fill="hold" nodeType="clickEffect">
+                                  <p:stCondLst>
+                                    <p:cond delay="0"/>
+                                  </p:stCondLst>
+                                  <p:childTnLst>
+                                    <p:set>
+                                      <p:cBhvr>
+                                        <p:cTn id="11" dur="1" fill="hold">
+                                          <p:stCondLst>
+                                            <p:cond delay="0"/>
+                                          </p:stCondLst>
+                                        </p:cTn>
+                                        <p:tgtEl>
+                                          <p:spTgt spid="11"/>
+                                        </p:tgtEl>
+                                        <p:attrNameLst>
+                                          <p:attrName>style.visibility</p:attrName>
+                                        </p:attrNameLst>
+                                      </p:cBhvr>
+                                      <p:to>
+                                        <p:strVal val="visible"/>
+                                      </p:to>
+                                    </p:set>
+                                    <p:animEffect transition="in" filter="circle(in)">
+                                      <p:cBhvr>
+                                        <p:cTn id="12" dur="2000"/>
+                                        <p:tgtEl>
+                                          <p:spTgt spid="11"/>
+                                        </p:tgtEl>
+                                      </p:cBhvr>
+                                    </p:animEffect>
+                                  </p:childTnLst>
+                                </p:cTn>
+                              </p:par>
+                            </p:childTnLst>
+                          </p:cTn>
+                        </p:par>
+                      </p:childTnLst>
+                    </p:cTn>
+                  </p:par>
+                  <p:par>
+                    <p:cTn id="13" fill="hold">
+                      <p:stCondLst>
+                        <p:cond delay="indefinite"/>
+                      </p:stCondLst>
+                      <p:childTnLst>
+                        <p:par>
+                          <p:cTn id="14" fill="hold">
+                            <p:stCondLst>
+                              <p:cond delay="0"/>
+                            </p:stCondLst>
+                            <p:childTnLst>
+                              <p:par>
+                                <p:cTn id="15" presetID="6" presetClass="entr" presetSubtype="16" fill="hold" nodeType="clickEffect">
+                                  <p:stCondLst>
+                                    <p:cond delay="0"/>
+                                  </p:stCondLst>
+                                  <p:childTnLst>
+                                    <p:set>
+                                      <p:cBhvr>
+                                        <p:cTn id="16" dur="1" fill="hold">
+                                          <p:stCondLst>
+                                            <p:cond delay="0"/>
+                                          </p:stCondLst>
+                                        </p:cTn>
+                                        <p:tgtEl>
+                                          <p:spTgt spid="13"/>
+                                        </p:tgtEl>
+                                        <p:attrNameLst>
+                                          <p:attrName>style.visibility</p:attrName>
+                                        </p:attrNameLst>
+                                      </p:cBhvr>
+                                      <p:to>
+                                        <p:strVal val="visible"/>
+                                      </p:to>
+                                    </p:set>
+                                    <p:animEffect transition="in" filter="circle(in)">
+                                      <p:cBhvr>
+                                        <p:cTn id="17" dur="2000"/>
+                                        <p:tgtEl>
+                                          <p:spTgt spid="13"/>
+                                        </p:tgtEl>
+                                      </p:cBhvr>
+                                    </p:animEffect>
+                                  </p:childTnLst>
+                                </p:cTn>
+                              </p:par>
+                            </p:childTnLst>
+                          </p:cTn>
+                        </p:par>
+                      </p:childTnLst>
+                    </p:cTn>
+                  </p:par>
+                </p:childTnLst>
+              </p:cTn>
+              <p:prevCondLst>
+                <p:cond evt="onPrev" delay="0">
+                  <p:tgtEl>
+                    <p:sldTgt/>
+                  </p:tgtEl>
+                </p:cond>
+              </p:prevCondLst>
+              <p:nextCondLst>
+                <p:cond evt="onNext" delay="0">
+                  <p:tgtEl>
+                    <p:sldTgt/>
+                  </p:tgtEl>
+                </p:cond>
+              </p:nextCondLst>
+            </p:seq>
+          </p:childTnLst>
+        </p:cTn>
+      </p:par>
+    </p:tnLst>
+  </p:timing>
+</p:sld>
+</file>
+
 <file path=ppt/slides/slide8.xml><?xml version="1.0" encoding="utf-8"?>
 <p:sld xmlns:a="http://schemas.openxmlformats.org/drawingml/2006/main" xmlns:r="http://schemas.openxmlformats.org/officeDocument/2006/relationships" xmlns:p="http://schemas.openxmlformats.org/presentationml/2006/main">
   <p:cSld>
@@ -8637,7 +8232,7 @@
           <p:cNvPr id="2" name="Title 1">
             <a:extLst>
               <a:ext uri="{FF2B5EF4-FFF2-40B4-BE49-F238E27FC236}">
-                <a16:creationId xmlns:a16="http://schemas.microsoft.com/office/drawing/2014/main" id="{A0E1C835-52D3-F5DC-3977-5B8F0DF215BE}"/>
+                <a16:creationId xmlns:a16="http://schemas.microsoft.com/office/drawing/2014/main" id="{3F6381AE-801E-D99C-44CC-3278F3A44F9D}"/>
               </a:ext>
             </a:extLst>
           </p:cNvPr>
@@ -8648,60 +8243,72 @@
             <p:ph type="title"/>
           </p:nvPr>
         </p:nvSpPr>
-        <p:spPr>
-          <a:xfrm>
-            <a:off x="295275" y="152400"/>
-            <a:ext cx="10839450" cy="1143000"/>
-          </a:xfrm>
-        </p:spPr>
+        <p:spPr/>
         <p:txBody>
           <a:bodyPr>
-            <a:normAutofit/>
+            <a:normAutofit fontScale="90000"/>
           </a:bodyPr>
           <a:lstStyle/>
           <a:p>
-            <a:endParaRPr lang="en-US" sz="4000" dirty="0">
-              <a:solidFill>
-                <a:schemeClr val="bg1"/>
-              </a:solidFill>
-            </a:endParaRPr>
+            <a:pPr algn="ctr"/>
+            <a:r>
+              <a:rPr lang="en-US" sz="3100" dirty="0">
+                <a:solidFill>
+                  <a:schemeClr val="bg1"/>
+                </a:solidFill>
+              </a:rPr>
+              <a:t>Does the frequency of listening to different genres correlate with different mental health disorders?</a:t>
+            </a:r>
+            <a:br>
+              <a:rPr lang="en-US" dirty="0">
+                <a:solidFill>
+                  <a:schemeClr val="bg1"/>
+                </a:solidFill>
+              </a:rPr>
+            </a:br>
+            <a:endParaRPr lang="en-US" dirty="0"/>
           </a:p>
         </p:txBody>
       </p:sp>
       <p:pic>
         <p:nvPicPr>
-          <p:cNvPr id="8" name="Picture 7">
+          <p:cNvPr id="8" name="Content Placeholder 7" descr="A screenshot of a graph&#10;&#10;Description automatically generated">
             <a:extLst>
               <a:ext uri="{FF2B5EF4-FFF2-40B4-BE49-F238E27FC236}">
-                <a16:creationId xmlns:a16="http://schemas.microsoft.com/office/drawing/2014/main" id="{46503C6E-6747-BEED-E236-9DD1E497C146}"/>
+                <a16:creationId xmlns:a16="http://schemas.microsoft.com/office/drawing/2014/main" id="{1C3DC9D0-9000-3603-98C6-3042C63B4A18}"/>
               </a:ext>
             </a:extLst>
           </p:cNvPr>
           <p:cNvPicPr>
-            <a:picLocks noChangeAspect="1"/>
+            <a:picLocks noGrp="1" noChangeAspect="1"/>
           </p:cNvPicPr>
-          <p:nvPr/>
+          <p:nvPr>
+            <p:ph sz="half" idx="2"/>
+          </p:nvPr>
         </p:nvPicPr>
         <p:blipFill>
-          <a:blip r:embed="rId2"/>
+          <a:blip r:embed="rId3">
+            <a:extLst>
+              <a:ext uri="{28A0092B-C50C-407E-A947-70E740481C1C}">
+                <a14:useLocalDpi xmlns:a14="http://schemas.microsoft.com/office/drawing/2010/main" val="0"/>
+              </a:ext>
+            </a:extLst>
+          </a:blip>
           <a:stretch>
             <a:fillRect/>
           </a:stretch>
         </p:blipFill>
         <p:spPr>
           <a:xfrm>
-            <a:off x="295275" y="723900"/>
-            <a:ext cx="7193756" cy="5500687"/>
+            <a:off x="1080240" y="1225523"/>
+            <a:ext cx="10055904" cy="5471111"/>
           </a:xfrm>
-          <a:prstGeom prst="rect">
-            <a:avLst/>
-          </a:prstGeom>
         </p:spPr>
       </p:pic>
     </p:spTree>
     <p:extLst>
       <p:ext uri="{BB962C8B-B14F-4D97-AF65-F5344CB8AC3E}">
-        <p14:creationId xmlns:p14="http://schemas.microsoft.com/office/powerpoint/2010/main" val="670472193"/>
+        <p14:creationId xmlns:p14="http://schemas.microsoft.com/office/powerpoint/2010/main" val="132286496"/>
       </p:ext>
     </p:extLst>
   </p:cSld>
@@ -8787,7 +8394,7 @@
             <p:ph sz="half" idx="2"/>
           </p:nvPr>
         </p:nvPicPr>
-        <p:blipFill>
+        <p:blipFill rotWithShape="1">
           <a:blip r:embed="rId3">
             <a:extLst>
               <a:ext uri="{28A0092B-C50C-407E-A947-70E740481C1C}">
@@ -8795,21 +8402,418 @@
               </a:ext>
             </a:extLst>
           </a:blip>
-          <a:stretch>
-            <a:fillRect/>
-          </a:stretch>
+          <a:srcRect r="8154" b="9428"/>
+          <a:stretch/>
         </p:blipFill>
         <p:spPr>
           <a:xfrm>
-            <a:off x="1080240" y="1225523"/>
-            <a:ext cx="10055904" cy="5471111"/>
+            <a:off x="133571" y="2507551"/>
+            <a:ext cx="5837155" cy="3131768"/>
           </a:xfrm>
         </p:spPr>
       </p:pic>
+      <p:pic>
+        <p:nvPicPr>
+          <p:cNvPr id="12" name="Content Placeholder 11" descr="A screenshot of a computer&#10;&#10;Description automatically generated">
+            <a:extLst>
+              <a:ext uri="{FF2B5EF4-FFF2-40B4-BE49-F238E27FC236}">
+                <a16:creationId xmlns:a16="http://schemas.microsoft.com/office/drawing/2014/main" id="{68E6AD1F-4128-02E7-3AB1-C507253DBFC0}"/>
+              </a:ext>
+            </a:extLst>
+          </p:cNvPr>
+          <p:cNvPicPr>
+            <a:picLocks noGrp="1" noChangeAspect="1"/>
+          </p:cNvPicPr>
+          <p:nvPr>
+            <p:ph sz="quarter" idx="4"/>
+          </p:nvPr>
+        </p:nvPicPr>
+        <p:blipFill rotWithShape="1">
+          <a:blip r:embed="rId4">
+            <a:extLst>
+              <a:ext uri="{28A0092B-C50C-407E-A947-70E740481C1C}">
+                <a14:useLocalDpi xmlns:a14="http://schemas.microsoft.com/office/drawing/2010/main" val="0"/>
+              </a:ext>
+            </a:extLst>
+          </a:blip>
+          <a:srcRect r="9356" b="9318"/>
+          <a:stretch/>
+        </p:blipFill>
+        <p:spPr>
+          <a:xfrm>
+            <a:off x="6126163" y="2467508"/>
+            <a:ext cx="5827358" cy="3171811"/>
+          </a:xfrm>
+        </p:spPr>
+      </p:pic>
+      <p:sp>
+        <p:nvSpPr>
+          <p:cNvPr id="10" name="Text Placeholder 9">
+            <a:extLst>
+              <a:ext uri="{FF2B5EF4-FFF2-40B4-BE49-F238E27FC236}">
+                <a16:creationId xmlns:a16="http://schemas.microsoft.com/office/drawing/2014/main" id="{90EDFFEC-C77B-8FA0-AA6D-D6C80FFFF8E8}"/>
+              </a:ext>
+            </a:extLst>
+          </p:cNvPr>
+          <p:cNvSpPr>
+            <a:spLocks noGrp="1"/>
+          </p:cNvSpPr>
+          <p:nvPr>
+            <p:ph type="body" idx="1"/>
+          </p:nvPr>
+        </p:nvSpPr>
+        <p:spPr>
+          <a:xfrm>
+            <a:off x="697500" y="1438204"/>
+            <a:ext cx="4480560" cy="731520"/>
+          </a:xfrm>
+        </p:spPr>
+        <p:txBody>
+          <a:bodyPr>
+            <a:normAutofit/>
+          </a:bodyPr>
+          <a:lstStyle/>
+          <a:p>
+            <a:r>
+              <a:rPr lang="en-US" sz="2400" dirty="0">
+                <a:solidFill>
+                  <a:schemeClr val="bg1"/>
+                </a:solidFill>
+              </a:rPr>
+              <a:t>Actual frequency of listening</a:t>
+            </a:r>
+          </a:p>
+        </p:txBody>
+      </p:sp>
+      <p:sp>
+        <p:nvSpPr>
+          <p:cNvPr id="14" name="Text Placeholder 13">
+            <a:extLst>
+              <a:ext uri="{FF2B5EF4-FFF2-40B4-BE49-F238E27FC236}">
+                <a16:creationId xmlns:a16="http://schemas.microsoft.com/office/drawing/2014/main" id="{BF3BDF0A-00BC-8B79-FF5F-A0A8818C97E4}"/>
+              </a:ext>
+            </a:extLst>
+          </p:cNvPr>
+          <p:cNvSpPr>
+            <a:spLocks noGrp="1"/>
+          </p:cNvSpPr>
+          <p:nvPr>
+            <p:ph type="body" sz="quarter" idx="3"/>
+          </p:nvPr>
+        </p:nvSpPr>
+        <p:spPr>
+          <a:xfrm>
+            <a:off x="6449568" y="1367916"/>
+            <a:ext cx="4480560" cy="731520"/>
+          </a:xfrm>
+        </p:spPr>
+        <p:txBody>
+          <a:bodyPr>
+            <a:normAutofit/>
+          </a:bodyPr>
+          <a:lstStyle/>
+          <a:p>
+            <a:pPr algn="ctr"/>
+            <a:r>
+              <a:rPr lang="en-US" sz="2400" dirty="0">
+                <a:solidFill>
+                  <a:schemeClr val="bg1"/>
+                </a:solidFill>
+              </a:rPr>
+              <a:t>Favorite genres</a:t>
+            </a:r>
+          </a:p>
+        </p:txBody>
+      </p:sp>
+      <p:sp>
+        <p:nvSpPr>
+          <p:cNvPr id="15" name="Text Placeholder 2">
+            <a:extLst>
+              <a:ext uri="{FF2B5EF4-FFF2-40B4-BE49-F238E27FC236}">
+                <a16:creationId xmlns:a16="http://schemas.microsoft.com/office/drawing/2014/main" id="{EE13F059-1E2F-8B20-AEFE-C38550D6AD72}"/>
+              </a:ext>
+            </a:extLst>
+          </p:cNvPr>
+          <p:cNvSpPr txBox="1">
+            <a:spLocks/>
+          </p:cNvSpPr>
+          <p:nvPr/>
+        </p:nvSpPr>
+        <p:spPr>
+          <a:xfrm>
+            <a:off x="334518" y="6234575"/>
+            <a:ext cx="11522964" cy="731520"/>
+          </a:xfrm>
+          <a:prstGeom prst="rect">
+            <a:avLst/>
+          </a:prstGeom>
+        </p:spPr>
+        <p:txBody>
+          <a:bodyPr vert="horz" lIns="91440" tIns="45720" rIns="91440" bIns="45720" rtlCol="0" anchor="b">
+            <a:normAutofit/>
+          </a:bodyPr>
+          <a:lstStyle>
+            <a:lvl1pPr marL="0" indent="0" algn="l" defTabSz="914400" rtl="0" eaLnBrk="1" latinLnBrk="0" hangingPunct="1">
+              <a:lnSpc>
+                <a:spcPct val="95000"/>
+              </a:lnSpc>
+              <a:spcBef>
+                <a:spcPts val="0"/>
+              </a:spcBef>
+              <a:spcAft>
+                <a:spcPts val="200"/>
+              </a:spcAft>
+              <a:buClr>
+                <a:schemeClr val="accent1"/>
+              </a:buClr>
+              <a:buSzPct val="80000"/>
+              <a:buFont typeface="Arial" pitchFamily="34" charset="0"/>
+              <a:buNone/>
+              <a:defRPr sz="2000" b="0" kern="1200" spc="10" baseline="0">
+                <a:solidFill>
+                  <a:schemeClr val="tx2"/>
+                </a:solidFill>
+                <a:latin typeface="+mn-lt"/>
+                <a:ea typeface="+mn-ea"/>
+                <a:cs typeface="+mn-cs"/>
+              </a:defRPr>
+            </a:lvl1pPr>
+            <a:lvl2pPr marL="457200" indent="0" algn="l" defTabSz="914400" rtl="0" eaLnBrk="1" latinLnBrk="0" hangingPunct="1">
+              <a:lnSpc>
+                <a:spcPct val="90000"/>
+              </a:lnSpc>
+              <a:spcBef>
+                <a:spcPts val="300"/>
+              </a:spcBef>
+              <a:spcAft>
+                <a:spcPts val="300"/>
+              </a:spcAft>
+              <a:buClr>
+                <a:schemeClr val="accent1"/>
+              </a:buClr>
+              <a:buFont typeface="Wingdings 2" pitchFamily="18" charset="2"/>
+              <a:buNone/>
+              <a:defRPr sz="2000" b="1" kern="1200">
+                <a:solidFill>
+                  <a:schemeClr val="tx1">
+                    <a:lumMod val="85000"/>
+                    <a:lumOff val="15000"/>
+                  </a:schemeClr>
+                </a:solidFill>
+                <a:latin typeface="+mn-lt"/>
+                <a:ea typeface="+mn-ea"/>
+                <a:cs typeface="+mn-cs"/>
+              </a:defRPr>
+            </a:lvl2pPr>
+            <a:lvl3pPr marL="914400" indent="0" algn="l" defTabSz="914400" rtl="0" eaLnBrk="1" latinLnBrk="0" hangingPunct="1">
+              <a:lnSpc>
+                <a:spcPct val="90000"/>
+              </a:lnSpc>
+              <a:spcBef>
+                <a:spcPts val="300"/>
+              </a:spcBef>
+              <a:spcAft>
+                <a:spcPts val="300"/>
+              </a:spcAft>
+              <a:buClr>
+                <a:schemeClr val="accent1"/>
+              </a:buClr>
+              <a:buFont typeface="Wingdings 2" pitchFamily="18" charset="2"/>
+              <a:buNone/>
+              <a:defRPr sz="1800" b="1" kern="1200">
+                <a:solidFill>
+                  <a:schemeClr val="tx1">
+                    <a:lumMod val="85000"/>
+                    <a:lumOff val="15000"/>
+                  </a:schemeClr>
+                </a:solidFill>
+                <a:latin typeface="+mn-lt"/>
+                <a:ea typeface="+mn-ea"/>
+                <a:cs typeface="+mn-cs"/>
+              </a:defRPr>
+            </a:lvl3pPr>
+            <a:lvl4pPr marL="1371600" indent="0" algn="l" defTabSz="914400" rtl="0" eaLnBrk="1" latinLnBrk="0" hangingPunct="1">
+              <a:lnSpc>
+                <a:spcPct val="90000"/>
+              </a:lnSpc>
+              <a:spcBef>
+                <a:spcPts val="300"/>
+              </a:spcBef>
+              <a:spcAft>
+                <a:spcPts val="300"/>
+              </a:spcAft>
+              <a:buClr>
+                <a:schemeClr val="accent1"/>
+              </a:buClr>
+              <a:buFont typeface="Wingdings 2" pitchFamily="18" charset="2"/>
+              <a:buNone/>
+              <a:defRPr sz="1600" b="1" kern="1200">
+                <a:solidFill>
+                  <a:schemeClr val="tx1">
+                    <a:lumMod val="85000"/>
+                    <a:lumOff val="15000"/>
+                  </a:schemeClr>
+                </a:solidFill>
+                <a:latin typeface="+mn-lt"/>
+                <a:ea typeface="+mn-ea"/>
+                <a:cs typeface="+mn-cs"/>
+              </a:defRPr>
+            </a:lvl4pPr>
+            <a:lvl5pPr marL="1828800" indent="0" algn="l" defTabSz="914400" rtl="0" eaLnBrk="1" latinLnBrk="0" hangingPunct="1">
+              <a:lnSpc>
+                <a:spcPct val="90000"/>
+              </a:lnSpc>
+              <a:spcBef>
+                <a:spcPts val="300"/>
+              </a:spcBef>
+              <a:spcAft>
+                <a:spcPts val="300"/>
+              </a:spcAft>
+              <a:buClr>
+                <a:schemeClr val="accent1"/>
+              </a:buClr>
+              <a:buFont typeface="Wingdings 2" pitchFamily="18" charset="2"/>
+              <a:buNone/>
+              <a:defRPr sz="1600" b="1" kern="1200">
+                <a:solidFill>
+                  <a:schemeClr val="tx1">
+                    <a:lumMod val="85000"/>
+                    <a:lumOff val="15000"/>
+                  </a:schemeClr>
+                </a:solidFill>
+                <a:latin typeface="+mn-lt"/>
+                <a:ea typeface="+mn-ea"/>
+                <a:cs typeface="+mn-cs"/>
+              </a:defRPr>
+            </a:lvl5pPr>
+            <a:lvl6pPr marL="2286000" indent="0" algn="l" defTabSz="914400" rtl="0" eaLnBrk="1" latinLnBrk="0" hangingPunct="1">
+              <a:lnSpc>
+                <a:spcPct val="90000"/>
+              </a:lnSpc>
+              <a:spcBef>
+                <a:spcPts val="300"/>
+              </a:spcBef>
+              <a:spcAft>
+                <a:spcPts val="300"/>
+              </a:spcAft>
+              <a:buClr>
+                <a:schemeClr val="accent1"/>
+              </a:buClr>
+              <a:buFont typeface="Wingdings 2" pitchFamily="18" charset="2"/>
+              <a:buNone/>
+              <a:defRPr sz="1600" b="1" kern="1200">
+                <a:solidFill>
+                  <a:schemeClr val="tx1">
+                    <a:lumMod val="85000"/>
+                    <a:lumOff val="15000"/>
+                  </a:schemeClr>
+                </a:solidFill>
+                <a:latin typeface="+mn-lt"/>
+                <a:ea typeface="+mn-ea"/>
+                <a:cs typeface="+mn-cs"/>
+              </a:defRPr>
+            </a:lvl6pPr>
+            <a:lvl7pPr marL="2743200" indent="0" algn="l" defTabSz="914400" rtl="0" eaLnBrk="1" latinLnBrk="0" hangingPunct="1">
+              <a:lnSpc>
+                <a:spcPct val="90000"/>
+              </a:lnSpc>
+              <a:spcBef>
+                <a:spcPts val="300"/>
+              </a:spcBef>
+              <a:spcAft>
+                <a:spcPts val="300"/>
+              </a:spcAft>
+              <a:buClr>
+                <a:schemeClr val="accent1"/>
+              </a:buClr>
+              <a:buFont typeface="Wingdings 2" pitchFamily="18" charset="2"/>
+              <a:buNone/>
+              <a:defRPr sz="1600" b="1" kern="1200">
+                <a:solidFill>
+                  <a:schemeClr val="tx1">
+                    <a:lumMod val="85000"/>
+                    <a:lumOff val="15000"/>
+                  </a:schemeClr>
+                </a:solidFill>
+                <a:latin typeface="+mn-lt"/>
+                <a:ea typeface="+mn-ea"/>
+                <a:cs typeface="+mn-cs"/>
+              </a:defRPr>
+            </a:lvl7pPr>
+            <a:lvl8pPr marL="3200400" indent="0" algn="l" defTabSz="914400" rtl="0" eaLnBrk="1" latinLnBrk="0" hangingPunct="1">
+              <a:lnSpc>
+                <a:spcPct val="90000"/>
+              </a:lnSpc>
+              <a:spcBef>
+                <a:spcPts val="300"/>
+              </a:spcBef>
+              <a:spcAft>
+                <a:spcPts val="300"/>
+              </a:spcAft>
+              <a:buClr>
+                <a:schemeClr val="accent1"/>
+              </a:buClr>
+              <a:buFont typeface="Wingdings 2" pitchFamily="18" charset="2"/>
+              <a:buNone/>
+              <a:defRPr sz="1600" b="1" kern="1200">
+                <a:solidFill>
+                  <a:schemeClr val="tx1">
+                    <a:lumMod val="85000"/>
+                    <a:lumOff val="15000"/>
+                  </a:schemeClr>
+                </a:solidFill>
+                <a:latin typeface="+mn-lt"/>
+                <a:ea typeface="+mn-ea"/>
+                <a:cs typeface="+mn-cs"/>
+              </a:defRPr>
+            </a:lvl8pPr>
+            <a:lvl9pPr marL="3657600" indent="0" algn="l" defTabSz="914400" rtl="0" eaLnBrk="1" latinLnBrk="0" hangingPunct="1">
+              <a:lnSpc>
+                <a:spcPct val="90000"/>
+              </a:lnSpc>
+              <a:spcBef>
+                <a:spcPts val="300"/>
+              </a:spcBef>
+              <a:spcAft>
+                <a:spcPts val="300"/>
+              </a:spcAft>
+              <a:buClr>
+                <a:schemeClr val="accent1"/>
+              </a:buClr>
+              <a:buFont typeface="Wingdings 2" pitchFamily="18" charset="2"/>
+              <a:buNone/>
+              <a:defRPr sz="1600" b="1" kern="1200">
+                <a:solidFill>
+                  <a:schemeClr val="tx1">
+                    <a:lumMod val="85000"/>
+                    <a:lumOff val="15000"/>
+                  </a:schemeClr>
+                </a:solidFill>
+                <a:latin typeface="+mn-lt"/>
+                <a:ea typeface="+mn-ea"/>
+                <a:cs typeface="+mn-cs"/>
+              </a:defRPr>
+            </a:lvl9pPr>
+          </a:lstStyle>
+          <a:p>
+            <a:r>
+              <a:rPr lang="en-US" sz="1800">
+                <a:solidFill>
+                  <a:schemeClr val="bg1"/>
+                </a:solidFill>
+              </a:rPr>
+              <a:t>Highest mental illness in listeners of Rock and Pop by frequency, but favorites are Rock, Pop, and Metal</a:t>
+            </a:r>
+          </a:p>
+          <a:p>
+            <a:endParaRPr lang="en-US" dirty="0"/>
+          </a:p>
+        </p:txBody>
+      </p:sp>
     </p:spTree>
     <p:extLst>
       <p:ext uri="{BB962C8B-B14F-4D97-AF65-F5344CB8AC3E}">
-        <p14:creationId xmlns:p14="http://schemas.microsoft.com/office/powerpoint/2010/main" val="132286496"/>
+        <p14:creationId xmlns:p14="http://schemas.microsoft.com/office/powerpoint/2010/main" val="2929728545"/>
       </p:ext>
     </p:extLst>
   </p:cSld>
